--- a/presentation/Jmeter-performance-tests.pptx
+++ b/presentation/Jmeter-performance-tests.pptx
@@ -5,11 +5,22 @@
     <p:sldMasterId id="2147483648" r:id="rId1"/>
   </p:sldMasterIdLst>
   <p:notesMasterIdLst>
-    <p:notesMasterId r:id="rId4"/>
+    <p:notesMasterId r:id="rId15"/>
   </p:notesMasterIdLst>
   <p:sldIdLst>
     <p:sldId id="257" r:id="rId2"/>
-    <p:sldId id="258" r:id="rId3"/>
+    <p:sldId id="269" r:id="rId3"/>
+    <p:sldId id="258" r:id="rId4"/>
+    <p:sldId id="259" r:id="rId5"/>
+    <p:sldId id="260" r:id="rId6"/>
+    <p:sldId id="261" r:id="rId7"/>
+    <p:sldId id="262" r:id="rId8"/>
+    <p:sldId id="263" r:id="rId9"/>
+    <p:sldId id="264" r:id="rId10"/>
+    <p:sldId id="268" r:id="rId11"/>
+    <p:sldId id="265" r:id="rId12"/>
+    <p:sldId id="266" r:id="rId13"/>
+    <p:sldId id="267" r:id="rId14"/>
   </p:sldIdLst>
   <p:sldSz cx="9144000" cy="6858000" type="screen4x3"/>
   <p:notesSz cx="6858000" cy="9144000"/>
@@ -193,7 +204,7 @@
           <a:p>
             <a:fld id="{43952DD2-0749-8340-909D-5FA8EDBB25AC}" type="datetimeFigureOut">
               <a:rPr lang="en-US" smtClean="0"/>
-              <a:t>15/04/15</a:t>
+              <a:t>21/04/15</a:t>
             </a:fld>
             <a:endParaRPr lang="en-US"/>
           </a:p>
@@ -461,6 +472,1025 @@
 </p:notesMaster>
 </file>
 
+<file path=ppt/notesSlides/notesSlide1.xml><?xml version="1.0" encoding="utf-8"?>
+<p:notes xmlns:a="http://schemas.openxmlformats.org/drawingml/2006/main" xmlns:r="http://schemas.openxmlformats.org/officeDocument/2006/relationships" xmlns:p="http://schemas.openxmlformats.org/presentationml/2006/main">
+  <p:cSld>
+    <p:spTree>
+      <p:nvGrpSpPr>
+        <p:cNvPr id="1" name=""/>
+        <p:cNvGrpSpPr/>
+        <p:nvPr/>
+      </p:nvGrpSpPr>
+      <p:grpSpPr>
+        <a:xfrm>
+          <a:off x="0" y="0"/>
+          <a:ext cx="0" cy="0"/>
+          <a:chOff x="0" y="0"/>
+          <a:chExt cx="0" cy="0"/>
+        </a:xfrm>
+      </p:grpSpPr>
+      <p:sp>
+        <p:nvSpPr>
+          <p:cNvPr id="2" name="Slide Image Placeholder 1"/>
+          <p:cNvSpPr>
+            <a:spLocks noGrp="1" noRot="1" noChangeAspect="1"/>
+          </p:cNvSpPr>
+          <p:nvPr>
+            <p:ph type="sldImg"/>
+          </p:nvPr>
+        </p:nvSpPr>
+        <p:spPr/>
+      </p:sp>
+      <p:sp>
+        <p:nvSpPr>
+          <p:cNvPr id="3" name="Notes Placeholder 2"/>
+          <p:cNvSpPr>
+            <a:spLocks noGrp="1"/>
+          </p:cNvSpPr>
+          <p:nvPr>
+            <p:ph type="body" idx="1"/>
+          </p:nvPr>
+        </p:nvSpPr>
+        <p:spPr/>
+        <p:txBody>
+          <a:bodyPr/>
+          <a:lstStyle/>
+          <a:p>
+            <a:endParaRPr lang="en-US" dirty="0"/>
+          </a:p>
+        </p:txBody>
+      </p:sp>
+      <p:sp>
+        <p:nvSpPr>
+          <p:cNvPr id="4" name="Slide Number Placeholder 3"/>
+          <p:cNvSpPr>
+            <a:spLocks noGrp="1"/>
+          </p:cNvSpPr>
+          <p:nvPr>
+            <p:ph type="sldNum" sz="quarter" idx="10"/>
+          </p:nvPr>
+        </p:nvSpPr>
+        <p:spPr/>
+        <p:txBody>
+          <a:bodyPr/>
+          <a:lstStyle/>
+          <a:p>
+            <a:fld id="{DCDE0BD8-2C5A-BA4B-9A31-3647B5CBE874}" type="slidenum">
+              <a:rPr lang="en-US" smtClean="0"/>
+              <a:t>1</a:t>
+            </a:fld>
+            <a:endParaRPr lang="en-US"/>
+          </a:p>
+        </p:txBody>
+      </p:sp>
+    </p:spTree>
+    <p:extLst>
+      <p:ext uri="{BB962C8B-B14F-4D97-AF65-F5344CB8AC3E}">
+        <p14:creationId xmlns:p14="http://schemas.microsoft.com/office/powerpoint/2010/main" val="3941669765"/>
+      </p:ext>
+    </p:extLst>
+  </p:cSld>
+  <p:clrMapOvr>
+    <a:masterClrMapping/>
+  </p:clrMapOvr>
+</p:notes>
+</file>
+
+<file path=ppt/notesSlides/notesSlide2.xml><?xml version="1.0" encoding="utf-8"?>
+<p:notes xmlns:a="http://schemas.openxmlformats.org/drawingml/2006/main" xmlns:r="http://schemas.openxmlformats.org/officeDocument/2006/relationships" xmlns:p="http://schemas.openxmlformats.org/presentationml/2006/main">
+  <p:cSld>
+    <p:spTree>
+      <p:nvGrpSpPr>
+        <p:cNvPr id="1" name=""/>
+        <p:cNvGrpSpPr/>
+        <p:nvPr/>
+      </p:nvGrpSpPr>
+      <p:grpSpPr>
+        <a:xfrm>
+          <a:off x="0" y="0"/>
+          <a:ext cx="0" cy="0"/>
+          <a:chOff x="0" y="0"/>
+          <a:chExt cx="0" cy="0"/>
+        </a:xfrm>
+      </p:grpSpPr>
+      <p:sp>
+        <p:nvSpPr>
+          <p:cNvPr id="2" name="Slide Image Placeholder 1"/>
+          <p:cNvSpPr>
+            <a:spLocks noGrp="1" noRot="1" noChangeAspect="1"/>
+          </p:cNvSpPr>
+          <p:nvPr>
+            <p:ph type="sldImg"/>
+          </p:nvPr>
+        </p:nvSpPr>
+        <p:spPr/>
+      </p:sp>
+      <p:sp>
+        <p:nvSpPr>
+          <p:cNvPr id="3" name="Notes Placeholder 2"/>
+          <p:cNvSpPr>
+            <a:spLocks noGrp="1"/>
+          </p:cNvSpPr>
+          <p:nvPr>
+            <p:ph type="body" idx="1"/>
+          </p:nvPr>
+        </p:nvSpPr>
+        <p:spPr/>
+        <p:txBody>
+          <a:bodyPr/>
+          <a:lstStyle/>
+          <a:p>
+            <a:pPr marL="171450" indent="-171450">
+              <a:buFont typeface="Arial"/>
+              <a:buChar char="•"/>
+            </a:pPr>
+            <a:r>
+              <a:rPr lang="en-US" dirty="0" smtClean="0"/>
+              <a:t>Performance is quite big issue in modern</a:t>
+            </a:r>
+            <a:r>
+              <a:rPr lang="en-US" baseline="0" dirty="0" smtClean="0"/>
+              <a:t> it world. Let me start with some notable examples of performance problems. One would be</a:t>
+            </a:r>
+            <a:endParaRPr lang="en-US" dirty="0" smtClean="0"/>
+          </a:p>
+          <a:p>
+            <a:r>
+              <a:rPr lang="en-US" dirty="0" smtClean="0"/>
+              <a:t>https://</a:t>
+            </a:r>
+            <a:r>
+              <a:rPr lang="en-US" dirty="0" err="1" smtClean="0"/>
+              <a:t>youtu.be</a:t>
+            </a:r>
+            <a:r>
+              <a:rPr lang="en-US" dirty="0" smtClean="0"/>
+              <a:t>/vIjs_l4k-qE </a:t>
+            </a:r>
+            <a:r>
+              <a:rPr lang="en-US" dirty="0" err="1" smtClean="0"/>
+              <a:t>Witcher</a:t>
+            </a:r>
+            <a:r>
+              <a:rPr lang="en-US" dirty="0" smtClean="0"/>
+              <a:t> 3</a:t>
+            </a:r>
+          </a:p>
+          <a:p>
+            <a:pPr marL="171450" indent="-171450">
+              <a:buFont typeface="Arial"/>
+              <a:buChar char="•"/>
+            </a:pPr>
+            <a:r>
+              <a:rPr lang="en-US" dirty="0" smtClean="0"/>
+              <a:t>Second one is DEFRA</a:t>
+            </a:r>
+          </a:p>
+          <a:p>
+            <a:endParaRPr lang="en-US" dirty="0" smtClean="0">
+              <a:effectLst/>
+            </a:endParaRPr>
+          </a:p>
+          <a:p>
+            <a:pPr lvl="0" rtl="0" fontAlgn="base"/>
+            <a:r>
+              <a:rPr lang="en-US" sz="1200" b="0" i="0" u="none" strike="noStrike" kern="1200" smtClean="0">
+                <a:solidFill>
+                  <a:schemeClr val="tx1"/>
+                </a:solidFill>
+                <a:effectLst/>
+                <a:latin typeface="+mn-lt"/>
+                <a:ea typeface="+mn-ea"/>
+                <a:cs typeface="+mn-cs"/>
+              </a:rPr>
+              <a:t>PTT was supposed to do performance tests, but they delivered nothing</a:t>
+            </a:r>
+          </a:p>
+          <a:p>
+            <a:pPr lvl="0" rtl="0" fontAlgn="base"/>
+            <a:r>
+              <a:rPr lang="en-US" sz="1200" b="0" i="0" u="none" strike="noStrike" kern="1200" smtClean="0">
+                <a:solidFill>
+                  <a:schemeClr val="tx1"/>
+                </a:solidFill>
+                <a:effectLst/>
+                <a:latin typeface="+mn-lt"/>
+                <a:ea typeface="+mn-ea"/>
+                <a:cs typeface="+mn-cs"/>
+              </a:rPr>
+              <a:t>Later we run performance tests and found some problems, few of them which we resolved</a:t>
+            </a:r>
+          </a:p>
+          <a:p>
+            <a:pPr lvl="0" rtl="0" fontAlgn="base"/>
+            <a:r>
+              <a:rPr lang="en-US" sz="1200" b="0" i="0" u="none" strike="noStrike" kern="1200" smtClean="0">
+                <a:solidFill>
+                  <a:schemeClr val="tx1"/>
+                </a:solidFill>
+                <a:effectLst/>
+                <a:latin typeface="+mn-lt"/>
+                <a:ea typeface="+mn-ea"/>
+                <a:cs typeface="+mn-cs"/>
+              </a:rPr>
+              <a:t>There were problems with performance around land and BPS</a:t>
+            </a:r>
+          </a:p>
+          <a:p>
+            <a:pPr lvl="0" rtl="0" fontAlgn="base"/>
+            <a:r>
+              <a:rPr lang="en-US" sz="1200" b="0" i="0" u="none" strike="noStrike" kern="1200" smtClean="0">
+                <a:solidFill>
+                  <a:schemeClr val="tx1"/>
+                </a:solidFill>
+                <a:effectLst/>
+                <a:latin typeface="+mn-lt"/>
+                <a:ea typeface="+mn-ea"/>
+                <a:cs typeface="+mn-cs"/>
+              </a:rPr>
+              <a:t>During demo for prime minister ops screwed up kibana :)</a:t>
+            </a:r>
+          </a:p>
+          <a:p>
+            <a:pPr lvl="1" rtl="0" fontAlgn="base"/>
+            <a:r>
+              <a:rPr lang="en-US" sz="1200" b="0" i="0" u="none" strike="noStrike" kern="1200" smtClean="0">
+                <a:solidFill>
+                  <a:schemeClr val="tx1"/>
+                </a:solidFill>
+                <a:effectLst/>
+                <a:latin typeface="+mn-lt"/>
+                <a:ea typeface="+mn-ea"/>
+                <a:cs typeface="+mn-cs"/>
+              </a:rPr>
+              <a:t>Sending logs over network</a:t>
+            </a:r>
+          </a:p>
+          <a:p>
+            <a:pPr lvl="1" rtl="0" fontAlgn="base"/>
+            <a:r>
+              <a:rPr lang="en-US" sz="1200" b="0" i="0" u="none" strike="noStrike" kern="1200" smtClean="0">
+                <a:solidFill>
+                  <a:schemeClr val="tx1"/>
+                </a:solidFill>
+                <a:effectLst/>
+                <a:latin typeface="+mn-lt"/>
+                <a:ea typeface="+mn-ea"/>
+                <a:cs typeface="+mn-cs"/>
+              </a:rPr>
+              <a:t>We coulnd’t diagnose it</a:t>
+            </a:r>
+          </a:p>
+          <a:p>
+            <a:pPr lvl="0" rtl="0" fontAlgn="base"/>
+            <a:r>
+              <a:rPr lang="en-US" sz="1200" b="0" i="0" u="none" strike="noStrike" kern="1200" smtClean="0">
+                <a:solidFill>
+                  <a:schemeClr val="tx1"/>
+                </a:solidFill>
+                <a:effectLst/>
+                <a:latin typeface="+mn-lt"/>
+                <a:ea typeface="+mn-ea"/>
+                <a:cs typeface="+mn-cs"/>
+              </a:rPr>
+              <a:t>But problems with siti agri are still there</a:t>
+            </a:r>
+          </a:p>
+          <a:p>
+            <a:pPr lvl="1" rtl="0" fontAlgn="base"/>
+            <a:r>
+              <a:rPr lang="en-US" sz="1200" b="0" i="0" u="none" strike="noStrike" kern="1200" smtClean="0">
+                <a:solidFill>
+                  <a:schemeClr val="tx1"/>
+                </a:solidFill>
+                <a:effectLst/>
+                <a:latin typeface="+mn-lt"/>
+                <a:ea typeface="+mn-ea"/>
+                <a:cs typeface="+mn-cs"/>
+              </a:rPr>
+              <a:t>We couldn’t get list of parcels 8k for organisation</a:t>
+            </a:r>
+          </a:p>
+          <a:p>
+            <a:pPr lvl="1" rtl="0" fontAlgn="base"/>
+            <a:r>
+              <a:rPr lang="en-US" sz="1200" b="0" i="0" u="none" strike="noStrike" kern="1200" smtClean="0">
+                <a:solidFill>
+                  <a:schemeClr val="tx1"/>
+                </a:solidFill>
+                <a:effectLst/>
+                <a:latin typeface="+mn-lt"/>
+                <a:ea typeface="+mn-ea"/>
+                <a:cs typeface="+mn-cs"/>
+              </a:rPr>
+              <a:t>It wasn’t fixed untill then</a:t>
+            </a:r>
+            <a:endParaRPr lang="en-US" dirty="0"/>
+          </a:p>
+        </p:txBody>
+      </p:sp>
+      <p:sp>
+        <p:nvSpPr>
+          <p:cNvPr id="4" name="Slide Number Placeholder 3"/>
+          <p:cNvSpPr>
+            <a:spLocks noGrp="1"/>
+          </p:cNvSpPr>
+          <p:nvPr>
+            <p:ph type="sldNum" sz="quarter" idx="10"/>
+          </p:nvPr>
+        </p:nvSpPr>
+        <p:spPr/>
+        <p:txBody>
+          <a:bodyPr/>
+          <a:lstStyle/>
+          <a:p>
+            <a:fld id="{DCDE0BD8-2C5A-BA4B-9A31-3647B5CBE874}" type="slidenum">
+              <a:rPr lang="en-US" smtClean="0"/>
+              <a:t>2</a:t>
+            </a:fld>
+            <a:endParaRPr lang="en-US"/>
+          </a:p>
+        </p:txBody>
+      </p:sp>
+    </p:spTree>
+    <p:extLst>
+      <p:ext uri="{BB962C8B-B14F-4D97-AF65-F5344CB8AC3E}">
+        <p14:creationId xmlns:p14="http://schemas.microsoft.com/office/powerpoint/2010/main" val="1425743954"/>
+      </p:ext>
+    </p:extLst>
+  </p:cSld>
+  <p:clrMapOvr>
+    <a:masterClrMapping/>
+  </p:clrMapOvr>
+</p:notes>
+</file>
+
+<file path=ppt/notesSlides/notesSlide3.xml><?xml version="1.0" encoding="utf-8"?>
+<p:notes xmlns:a="http://schemas.openxmlformats.org/drawingml/2006/main" xmlns:r="http://schemas.openxmlformats.org/officeDocument/2006/relationships" xmlns:p="http://schemas.openxmlformats.org/presentationml/2006/main">
+  <p:cSld>
+    <p:spTree>
+      <p:nvGrpSpPr>
+        <p:cNvPr id="1" name=""/>
+        <p:cNvGrpSpPr/>
+        <p:nvPr/>
+      </p:nvGrpSpPr>
+      <p:grpSpPr>
+        <a:xfrm>
+          <a:off x="0" y="0"/>
+          <a:ext cx="0" cy="0"/>
+          <a:chOff x="0" y="0"/>
+          <a:chExt cx="0" cy="0"/>
+        </a:xfrm>
+      </p:grpSpPr>
+      <p:sp>
+        <p:nvSpPr>
+          <p:cNvPr id="2" name="Slide Image Placeholder 1"/>
+          <p:cNvSpPr>
+            <a:spLocks noGrp="1" noRot="1" noChangeAspect="1"/>
+          </p:cNvSpPr>
+          <p:nvPr>
+            <p:ph type="sldImg"/>
+          </p:nvPr>
+        </p:nvSpPr>
+        <p:spPr/>
+      </p:sp>
+      <p:sp>
+        <p:nvSpPr>
+          <p:cNvPr id="3" name="Notes Placeholder 2"/>
+          <p:cNvSpPr>
+            <a:spLocks noGrp="1"/>
+          </p:cNvSpPr>
+          <p:nvPr>
+            <p:ph type="body" idx="1"/>
+          </p:nvPr>
+        </p:nvSpPr>
+        <p:spPr/>
+        <p:txBody>
+          <a:bodyPr/>
+          <a:lstStyle/>
+          <a:p>
+            <a:pPr marL="171450" indent="-171450">
+              <a:buFont typeface="Arial"/>
+              <a:buChar char="•"/>
+            </a:pPr>
+            <a:r>
+              <a:rPr lang="en-US" dirty="0" smtClean="0"/>
+              <a:t>Before</a:t>
+            </a:r>
+            <a:r>
+              <a:rPr lang="en-US" baseline="0" dirty="0" smtClean="0"/>
+              <a:t> we dive deeper into </a:t>
+            </a:r>
+            <a:r>
+              <a:rPr lang="en-US" baseline="0" dirty="0" err="1" smtClean="0"/>
+              <a:t>JMeter</a:t>
+            </a:r>
+            <a:r>
+              <a:rPr lang="en-US" baseline="0" dirty="0" smtClean="0"/>
+              <a:t> let me highlight some foundations of performance testing</a:t>
+            </a:r>
+            <a:endParaRPr lang="en-US" dirty="0"/>
+          </a:p>
+        </p:txBody>
+      </p:sp>
+      <p:sp>
+        <p:nvSpPr>
+          <p:cNvPr id="4" name="Slide Number Placeholder 3"/>
+          <p:cNvSpPr>
+            <a:spLocks noGrp="1"/>
+          </p:cNvSpPr>
+          <p:nvPr>
+            <p:ph type="sldNum" sz="quarter" idx="10"/>
+          </p:nvPr>
+        </p:nvSpPr>
+        <p:spPr/>
+        <p:txBody>
+          <a:bodyPr/>
+          <a:lstStyle/>
+          <a:p>
+            <a:fld id="{DCDE0BD8-2C5A-BA4B-9A31-3647B5CBE874}" type="slidenum">
+              <a:rPr lang="en-US" smtClean="0"/>
+              <a:t>3</a:t>
+            </a:fld>
+            <a:endParaRPr lang="en-US"/>
+          </a:p>
+        </p:txBody>
+      </p:sp>
+    </p:spTree>
+    <p:extLst>
+      <p:ext uri="{BB962C8B-B14F-4D97-AF65-F5344CB8AC3E}">
+        <p14:creationId xmlns:p14="http://schemas.microsoft.com/office/powerpoint/2010/main" val="399675120"/>
+      </p:ext>
+    </p:extLst>
+  </p:cSld>
+  <p:clrMapOvr>
+    <a:masterClrMapping/>
+  </p:clrMapOvr>
+</p:notes>
+</file>
+
+<file path=ppt/notesSlides/notesSlide4.xml><?xml version="1.0" encoding="utf-8"?>
+<p:notes xmlns:a="http://schemas.openxmlformats.org/drawingml/2006/main" xmlns:r="http://schemas.openxmlformats.org/officeDocument/2006/relationships" xmlns:p="http://schemas.openxmlformats.org/presentationml/2006/main">
+  <p:cSld>
+    <p:spTree>
+      <p:nvGrpSpPr>
+        <p:cNvPr id="1" name=""/>
+        <p:cNvGrpSpPr/>
+        <p:nvPr/>
+      </p:nvGrpSpPr>
+      <p:grpSpPr>
+        <a:xfrm>
+          <a:off x="0" y="0"/>
+          <a:ext cx="0" cy="0"/>
+          <a:chOff x="0" y="0"/>
+          <a:chExt cx="0" cy="0"/>
+        </a:xfrm>
+      </p:grpSpPr>
+      <p:sp>
+        <p:nvSpPr>
+          <p:cNvPr id="2" name="Slide Image Placeholder 1"/>
+          <p:cNvSpPr>
+            <a:spLocks noGrp="1" noRot="1" noChangeAspect="1"/>
+          </p:cNvSpPr>
+          <p:nvPr>
+            <p:ph type="sldImg"/>
+          </p:nvPr>
+        </p:nvSpPr>
+        <p:spPr/>
+      </p:sp>
+      <p:sp>
+        <p:nvSpPr>
+          <p:cNvPr id="3" name="Notes Placeholder 2"/>
+          <p:cNvSpPr>
+            <a:spLocks noGrp="1"/>
+          </p:cNvSpPr>
+          <p:nvPr>
+            <p:ph type="body" idx="1"/>
+          </p:nvPr>
+        </p:nvSpPr>
+        <p:spPr/>
+        <p:txBody>
+          <a:bodyPr/>
+          <a:lstStyle/>
+          <a:p>
+            <a:endParaRPr lang="en-US" dirty="0"/>
+          </a:p>
+        </p:txBody>
+      </p:sp>
+      <p:sp>
+        <p:nvSpPr>
+          <p:cNvPr id="4" name="Slide Number Placeholder 3"/>
+          <p:cNvSpPr>
+            <a:spLocks noGrp="1"/>
+          </p:cNvSpPr>
+          <p:nvPr>
+            <p:ph type="sldNum" sz="quarter" idx="10"/>
+          </p:nvPr>
+        </p:nvSpPr>
+        <p:spPr/>
+        <p:txBody>
+          <a:bodyPr/>
+          <a:lstStyle/>
+          <a:p>
+            <a:fld id="{DCDE0BD8-2C5A-BA4B-9A31-3647B5CBE874}" type="slidenum">
+              <a:rPr lang="en-US" smtClean="0"/>
+              <a:t>4</a:t>
+            </a:fld>
+            <a:endParaRPr lang="en-US"/>
+          </a:p>
+        </p:txBody>
+      </p:sp>
+    </p:spTree>
+    <p:extLst>
+      <p:ext uri="{BB962C8B-B14F-4D97-AF65-F5344CB8AC3E}">
+        <p14:creationId xmlns:p14="http://schemas.microsoft.com/office/powerpoint/2010/main" val="360242775"/>
+      </p:ext>
+    </p:extLst>
+  </p:cSld>
+  <p:clrMapOvr>
+    <a:masterClrMapping/>
+  </p:clrMapOvr>
+</p:notes>
+</file>
+
+<file path=ppt/notesSlides/notesSlide5.xml><?xml version="1.0" encoding="utf-8"?>
+<p:notes xmlns:a="http://schemas.openxmlformats.org/drawingml/2006/main" xmlns:r="http://schemas.openxmlformats.org/officeDocument/2006/relationships" xmlns:p="http://schemas.openxmlformats.org/presentationml/2006/main">
+  <p:cSld>
+    <p:spTree>
+      <p:nvGrpSpPr>
+        <p:cNvPr id="1" name=""/>
+        <p:cNvGrpSpPr/>
+        <p:nvPr/>
+      </p:nvGrpSpPr>
+      <p:grpSpPr>
+        <a:xfrm>
+          <a:off x="0" y="0"/>
+          <a:ext cx="0" cy="0"/>
+          <a:chOff x="0" y="0"/>
+          <a:chExt cx="0" cy="0"/>
+        </a:xfrm>
+      </p:grpSpPr>
+      <p:sp>
+        <p:nvSpPr>
+          <p:cNvPr id="2" name="Slide Image Placeholder 1"/>
+          <p:cNvSpPr>
+            <a:spLocks noGrp="1" noRot="1" noChangeAspect="1"/>
+          </p:cNvSpPr>
+          <p:nvPr>
+            <p:ph type="sldImg"/>
+          </p:nvPr>
+        </p:nvSpPr>
+        <p:spPr/>
+      </p:sp>
+      <p:sp>
+        <p:nvSpPr>
+          <p:cNvPr id="3" name="Notes Placeholder 2"/>
+          <p:cNvSpPr>
+            <a:spLocks noGrp="1"/>
+          </p:cNvSpPr>
+          <p:nvPr>
+            <p:ph type="body" idx="1"/>
+          </p:nvPr>
+        </p:nvSpPr>
+        <p:spPr/>
+        <p:txBody>
+          <a:bodyPr/>
+          <a:lstStyle/>
+          <a:p>
+            <a:endParaRPr lang="en-US" dirty="0"/>
+          </a:p>
+        </p:txBody>
+      </p:sp>
+      <p:sp>
+        <p:nvSpPr>
+          <p:cNvPr id="4" name="Slide Number Placeholder 3"/>
+          <p:cNvSpPr>
+            <a:spLocks noGrp="1"/>
+          </p:cNvSpPr>
+          <p:nvPr>
+            <p:ph type="sldNum" sz="quarter" idx="10"/>
+          </p:nvPr>
+        </p:nvSpPr>
+        <p:spPr/>
+        <p:txBody>
+          <a:bodyPr/>
+          <a:lstStyle/>
+          <a:p>
+            <a:fld id="{DCDE0BD8-2C5A-BA4B-9A31-3647B5CBE874}" type="slidenum">
+              <a:rPr lang="en-US" smtClean="0"/>
+              <a:t>5</a:t>
+            </a:fld>
+            <a:endParaRPr lang="en-US"/>
+          </a:p>
+        </p:txBody>
+      </p:sp>
+    </p:spTree>
+    <p:extLst>
+      <p:ext uri="{BB962C8B-B14F-4D97-AF65-F5344CB8AC3E}">
+        <p14:creationId xmlns:p14="http://schemas.microsoft.com/office/powerpoint/2010/main" val="4115497423"/>
+      </p:ext>
+    </p:extLst>
+  </p:cSld>
+  <p:clrMapOvr>
+    <a:masterClrMapping/>
+  </p:clrMapOvr>
+</p:notes>
+</file>
+
+<file path=ppt/notesSlides/notesSlide6.xml><?xml version="1.0" encoding="utf-8"?>
+<p:notes xmlns:a="http://schemas.openxmlformats.org/drawingml/2006/main" xmlns:r="http://schemas.openxmlformats.org/officeDocument/2006/relationships" xmlns:p="http://schemas.openxmlformats.org/presentationml/2006/main">
+  <p:cSld>
+    <p:spTree>
+      <p:nvGrpSpPr>
+        <p:cNvPr id="1" name=""/>
+        <p:cNvGrpSpPr/>
+        <p:nvPr/>
+      </p:nvGrpSpPr>
+      <p:grpSpPr>
+        <a:xfrm>
+          <a:off x="0" y="0"/>
+          <a:ext cx="0" cy="0"/>
+          <a:chOff x="0" y="0"/>
+          <a:chExt cx="0" cy="0"/>
+        </a:xfrm>
+      </p:grpSpPr>
+      <p:sp>
+        <p:nvSpPr>
+          <p:cNvPr id="2" name="Slide Image Placeholder 1"/>
+          <p:cNvSpPr>
+            <a:spLocks noGrp="1" noRot="1" noChangeAspect="1"/>
+          </p:cNvSpPr>
+          <p:nvPr>
+            <p:ph type="sldImg"/>
+          </p:nvPr>
+        </p:nvSpPr>
+        <p:spPr/>
+      </p:sp>
+      <p:sp>
+        <p:nvSpPr>
+          <p:cNvPr id="3" name="Notes Placeholder 2"/>
+          <p:cNvSpPr>
+            <a:spLocks noGrp="1"/>
+          </p:cNvSpPr>
+          <p:nvPr>
+            <p:ph type="body" idx="1"/>
+          </p:nvPr>
+        </p:nvSpPr>
+        <p:spPr/>
+        <p:txBody>
+          <a:bodyPr/>
+          <a:lstStyle/>
+          <a:p>
+            <a:pPr marL="171450" indent="-171450">
+              <a:buFont typeface="Arial"/>
+              <a:buChar char="•"/>
+            </a:pPr>
+            <a:r>
+              <a:rPr lang="en-US" dirty="0" smtClean="0"/>
+              <a:t>Now</a:t>
+            </a:r>
+            <a:r>
+              <a:rPr lang="en-US" baseline="0" dirty="0" smtClean="0"/>
+              <a:t> we understand what performance testing is about. Let’s take a look at tool for doing that</a:t>
+            </a:r>
+            <a:endParaRPr lang="en-US" dirty="0"/>
+          </a:p>
+        </p:txBody>
+      </p:sp>
+      <p:sp>
+        <p:nvSpPr>
+          <p:cNvPr id="4" name="Slide Number Placeholder 3"/>
+          <p:cNvSpPr>
+            <a:spLocks noGrp="1"/>
+          </p:cNvSpPr>
+          <p:nvPr>
+            <p:ph type="sldNum" sz="quarter" idx="10"/>
+          </p:nvPr>
+        </p:nvSpPr>
+        <p:spPr/>
+        <p:txBody>
+          <a:bodyPr/>
+          <a:lstStyle/>
+          <a:p>
+            <a:fld id="{DCDE0BD8-2C5A-BA4B-9A31-3647B5CBE874}" type="slidenum">
+              <a:rPr lang="en-US" smtClean="0"/>
+              <a:t>7</a:t>
+            </a:fld>
+            <a:endParaRPr lang="en-US"/>
+          </a:p>
+        </p:txBody>
+      </p:sp>
+    </p:spTree>
+    <p:extLst>
+      <p:ext uri="{BB962C8B-B14F-4D97-AF65-F5344CB8AC3E}">
+        <p14:creationId xmlns:p14="http://schemas.microsoft.com/office/powerpoint/2010/main" val="3933540881"/>
+      </p:ext>
+    </p:extLst>
+  </p:cSld>
+  <p:clrMapOvr>
+    <a:masterClrMapping/>
+  </p:clrMapOvr>
+</p:notes>
+</file>
+
+<file path=ppt/notesSlides/notesSlide7.xml><?xml version="1.0" encoding="utf-8"?>
+<p:notes xmlns:a="http://schemas.openxmlformats.org/drawingml/2006/main" xmlns:r="http://schemas.openxmlformats.org/officeDocument/2006/relationships" xmlns:p="http://schemas.openxmlformats.org/presentationml/2006/main">
+  <p:cSld>
+    <p:spTree>
+      <p:nvGrpSpPr>
+        <p:cNvPr id="1" name=""/>
+        <p:cNvGrpSpPr/>
+        <p:nvPr/>
+      </p:nvGrpSpPr>
+      <p:grpSpPr>
+        <a:xfrm>
+          <a:off x="0" y="0"/>
+          <a:ext cx="0" cy="0"/>
+          <a:chOff x="0" y="0"/>
+          <a:chExt cx="0" cy="0"/>
+        </a:xfrm>
+      </p:grpSpPr>
+      <p:sp>
+        <p:nvSpPr>
+          <p:cNvPr id="2" name="Slide Image Placeholder 1"/>
+          <p:cNvSpPr>
+            <a:spLocks noGrp="1" noRot="1" noChangeAspect="1"/>
+          </p:cNvSpPr>
+          <p:nvPr>
+            <p:ph type="sldImg"/>
+          </p:nvPr>
+        </p:nvSpPr>
+        <p:spPr/>
+      </p:sp>
+      <p:sp>
+        <p:nvSpPr>
+          <p:cNvPr id="3" name="Notes Placeholder 2"/>
+          <p:cNvSpPr>
+            <a:spLocks noGrp="1"/>
+          </p:cNvSpPr>
+          <p:nvPr>
+            <p:ph type="body" idx="1"/>
+          </p:nvPr>
+        </p:nvSpPr>
+        <p:spPr/>
+        <p:txBody>
+          <a:bodyPr/>
+          <a:lstStyle/>
+          <a:p>
+            <a:endParaRPr lang="en-US" dirty="0"/>
+          </a:p>
+        </p:txBody>
+      </p:sp>
+      <p:sp>
+        <p:nvSpPr>
+          <p:cNvPr id="4" name="Slide Number Placeholder 3"/>
+          <p:cNvSpPr>
+            <a:spLocks noGrp="1"/>
+          </p:cNvSpPr>
+          <p:nvPr>
+            <p:ph type="sldNum" sz="quarter" idx="10"/>
+          </p:nvPr>
+        </p:nvSpPr>
+        <p:spPr/>
+        <p:txBody>
+          <a:bodyPr/>
+          <a:lstStyle/>
+          <a:p>
+            <a:fld id="{DCDE0BD8-2C5A-BA4B-9A31-3647B5CBE874}" type="slidenum">
+              <a:rPr lang="en-US" smtClean="0"/>
+              <a:t>8</a:t>
+            </a:fld>
+            <a:endParaRPr lang="en-US"/>
+          </a:p>
+        </p:txBody>
+      </p:sp>
+    </p:spTree>
+    <p:extLst>
+      <p:ext uri="{BB962C8B-B14F-4D97-AF65-F5344CB8AC3E}">
+        <p14:creationId xmlns:p14="http://schemas.microsoft.com/office/powerpoint/2010/main" val="3685728577"/>
+      </p:ext>
+    </p:extLst>
+  </p:cSld>
+  <p:clrMapOvr>
+    <a:masterClrMapping/>
+  </p:clrMapOvr>
+</p:notes>
+</file>
+
+<file path=ppt/notesSlides/notesSlide8.xml><?xml version="1.0" encoding="utf-8"?>
+<p:notes xmlns:a="http://schemas.openxmlformats.org/drawingml/2006/main" xmlns:r="http://schemas.openxmlformats.org/officeDocument/2006/relationships" xmlns:p="http://schemas.openxmlformats.org/presentationml/2006/main">
+  <p:cSld>
+    <p:spTree>
+      <p:nvGrpSpPr>
+        <p:cNvPr id="1" name=""/>
+        <p:cNvGrpSpPr/>
+        <p:nvPr/>
+      </p:nvGrpSpPr>
+      <p:grpSpPr>
+        <a:xfrm>
+          <a:off x="0" y="0"/>
+          <a:ext cx="0" cy="0"/>
+          <a:chOff x="0" y="0"/>
+          <a:chExt cx="0" cy="0"/>
+        </a:xfrm>
+      </p:grpSpPr>
+      <p:sp>
+        <p:nvSpPr>
+          <p:cNvPr id="2" name="Slide Image Placeholder 1"/>
+          <p:cNvSpPr>
+            <a:spLocks noGrp="1" noRot="1" noChangeAspect="1"/>
+          </p:cNvSpPr>
+          <p:nvPr>
+            <p:ph type="sldImg"/>
+          </p:nvPr>
+        </p:nvSpPr>
+        <p:spPr/>
+      </p:sp>
+      <p:sp>
+        <p:nvSpPr>
+          <p:cNvPr id="3" name="Notes Placeholder 2"/>
+          <p:cNvSpPr>
+            <a:spLocks noGrp="1"/>
+          </p:cNvSpPr>
+          <p:nvPr>
+            <p:ph type="body" idx="1"/>
+          </p:nvPr>
+        </p:nvSpPr>
+        <p:spPr/>
+        <p:txBody>
+          <a:bodyPr/>
+          <a:lstStyle/>
+          <a:p>
+            <a:pPr marL="171450" indent="-171450">
+              <a:buFont typeface="Arial"/>
+              <a:buChar char="•"/>
+            </a:pPr>
+            <a:r>
+              <a:rPr lang="en-US" dirty="0" smtClean="0"/>
+              <a:t>Now</a:t>
+            </a:r>
+            <a:r>
+              <a:rPr lang="en-US" baseline="0" dirty="0" smtClean="0"/>
+              <a:t> it’s time for some simple demonstration</a:t>
+            </a:r>
+            <a:endParaRPr lang="en-US" dirty="0"/>
+          </a:p>
+        </p:txBody>
+      </p:sp>
+      <p:sp>
+        <p:nvSpPr>
+          <p:cNvPr id="4" name="Slide Number Placeholder 3"/>
+          <p:cNvSpPr>
+            <a:spLocks noGrp="1"/>
+          </p:cNvSpPr>
+          <p:nvPr>
+            <p:ph type="sldNum" sz="quarter" idx="10"/>
+          </p:nvPr>
+        </p:nvSpPr>
+        <p:spPr/>
+        <p:txBody>
+          <a:bodyPr/>
+          <a:lstStyle/>
+          <a:p>
+            <a:fld id="{DCDE0BD8-2C5A-BA4B-9A31-3647B5CBE874}" type="slidenum">
+              <a:rPr lang="en-US" smtClean="0"/>
+              <a:t>11</a:t>
+            </a:fld>
+            <a:endParaRPr lang="en-US"/>
+          </a:p>
+        </p:txBody>
+      </p:sp>
+    </p:spTree>
+    <p:extLst>
+      <p:ext uri="{BB962C8B-B14F-4D97-AF65-F5344CB8AC3E}">
+        <p14:creationId xmlns:p14="http://schemas.microsoft.com/office/powerpoint/2010/main" val="246405620"/>
+      </p:ext>
+    </p:extLst>
+  </p:cSld>
+  <p:clrMapOvr>
+    <a:masterClrMapping/>
+  </p:clrMapOvr>
+</p:notes>
+</file>
+
+<file path=ppt/notesSlides/notesSlide9.xml><?xml version="1.0" encoding="utf-8"?>
+<p:notes xmlns:a="http://schemas.openxmlformats.org/drawingml/2006/main" xmlns:r="http://schemas.openxmlformats.org/officeDocument/2006/relationships" xmlns:p="http://schemas.openxmlformats.org/presentationml/2006/main">
+  <p:cSld>
+    <p:spTree>
+      <p:nvGrpSpPr>
+        <p:cNvPr id="1" name=""/>
+        <p:cNvGrpSpPr/>
+        <p:nvPr/>
+      </p:nvGrpSpPr>
+      <p:grpSpPr>
+        <a:xfrm>
+          <a:off x="0" y="0"/>
+          <a:ext cx="0" cy="0"/>
+          <a:chOff x="0" y="0"/>
+          <a:chExt cx="0" cy="0"/>
+        </a:xfrm>
+      </p:grpSpPr>
+      <p:sp>
+        <p:nvSpPr>
+          <p:cNvPr id="2" name="Slide Image Placeholder 1"/>
+          <p:cNvSpPr>
+            <a:spLocks noGrp="1" noRot="1" noChangeAspect="1"/>
+          </p:cNvSpPr>
+          <p:nvPr>
+            <p:ph type="sldImg"/>
+          </p:nvPr>
+        </p:nvSpPr>
+        <p:spPr/>
+      </p:sp>
+      <p:sp>
+        <p:nvSpPr>
+          <p:cNvPr id="3" name="Notes Placeholder 2"/>
+          <p:cNvSpPr>
+            <a:spLocks noGrp="1"/>
+          </p:cNvSpPr>
+          <p:nvPr>
+            <p:ph type="body" idx="1"/>
+          </p:nvPr>
+        </p:nvSpPr>
+        <p:spPr/>
+        <p:txBody>
+          <a:bodyPr/>
+          <a:lstStyle/>
+          <a:p>
+            <a:pPr marL="171450" indent="-171450">
+              <a:buFont typeface="Arial"/>
+              <a:buChar char="•"/>
+            </a:pPr>
+            <a:r>
+              <a:rPr lang="en-US" dirty="0" smtClean="0"/>
+              <a:t>Running </a:t>
+            </a:r>
+            <a:r>
+              <a:rPr lang="en-US" dirty="0" err="1" smtClean="0"/>
+              <a:t>JMeter</a:t>
+            </a:r>
+            <a:r>
+              <a:rPr lang="en-US" dirty="0" smtClean="0"/>
+              <a:t> from GUI is useful.</a:t>
+            </a:r>
+            <a:r>
+              <a:rPr lang="en-US" baseline="0" dirty="0" smtClean="0"/>
+              <a:t> However it has some limits</a:t>
+            </a:r>
+          </a:p>
+          <a:p>
+            <a:pPr marL="171450" indent="-171450">
+              <a:buFont typeface="Arial"/>
+              <a:buChar char="•"/>
+            </a:pPr>
+            <a:r>
+              <a:rPr lang="en-US" baseline="0" dirty="0" smtClean="0"/>
+              <a:t>Show how it looks on </a:t>
+            </a:r>
+            <a:r>
+              <a:rPr lang="en-US" baseline="0" smtClean="0"/>
+              <a:t>team city</a:t>
+            </a:r>
+            <a:endParaRPr lang="en-US" dirty="0"/>
+          </a:p>
+        </p:txBody>
+      </p:sp>
+      <p:sp>
+        <p:nvSpPr>
+          <p:cNvPr id="4" name="Slide Number Placeholder 3"/>
+          <p:cNvSpPr>
+            <a:spLocks noGrp="1"/>
+          </p:cNvSpPr>
+          <p:nvPr>
+            <p:ph type="sldNum" sz="quarter" idx="10"/>
+          </p:nvPr>
+        </p:nvSpPr>
+        <p:spPr/>
+        <p:txBody>
+          <a:bodyPr/>
+          <a:lstStyle/>
+          <a:p>
+            <a:fld id="{DCDE0BD8-2C5A-BA4B-9A31-3647B5CBE874}" type="slidenum">
+              <a:rPr lang="en-US" smtClean="0"/>
+              <a:t>12</a:t>
+            </a:fld>
+            <a:endParaRPr lang="en-US"/>
+          </a:p>
+        </p:txBody>
+      </p:sp>
+    </p:spTree>
+    <p:extLst>
+      <p:ext uri="{BB962C8B-B14F-4D97-AF65-F5344CB8AC3E}">
+        <p14:creationId xmlns:p14="http://schemas.microsoft.com/office/powerpoint/2010/main" val="1628015398"/>
+      </p:ext>
+    </p:extLst>
+  </p:cSld>
+  <p:clrMapOvr>
+    <a:masterClrMapping/>
+  </p:clrMapOvr>
+</p:notes>
+</file>
+
 <file path=ppt/slideLayouts/slideLayout1.xml><?xml version="1.0" encoding="utf-8"?>
 <p:sldLayout xmlns:a="http://schemas.openxmlformats.org/drawingml/2006/main" xmlns:r="http://schemas.openxmlformats.org/officeDocument/2006/relationships" xmlns:p="http://schemas.openxmlformats.org/presentationml/2006/main" type="title" preserve="1">
   <p:cSld name="Title Slide">
@@ -642,7 +1672,7 @@
           <a:p>
             <a:fld id="{1CE37A50-DE71-CA4E-9F30-7CB5D0D4664F}" type="datetimeFigureOut">
               <a:rPr lang="en-US" smtClean="0"/>
-              <a:t>15/04/15</a:t>
+              <a:t>21/04/15</a:t>
             </a:fld>
             <a:endParaRPr lang="en-US"/>
           </a:p>
@@ -700,6 +1730,18 @@
   <p:clrMapOvr>
     <a:masterClrMapping/>
   </p:clrMapOvr>
+  <mc:AlternateContent xmlns:mc="http://schemas.openxmlformats.org/markup-compatibility/2006" xmlns:p14="http://schemas.microsoft.com/office/powerpoint/2010/main">
+    <mc:Choice Requires="p14">
+      <p:transition spd="slow" p14:dur="1200">
+        <p14:prism/>
+      </p:transition>
+    </mc:Choice>
+    <mc:Fallback xmlns="">
+      <p:transition xmlns:p14="http://schemas.microsoft.com/office/powerpoint/2010/main" spd="slow">
+        <p:fade/>
+      </p:transition>
+    </mc:Fallback>
+  </mc:AlternateContent>
 </p:sldLayout>
 </file>
 
@@ -812,7 +1854,7 @@
           <a:p>
             <a:fld id="{1CE37A50-DE71-CA4E-9F30-7CB5D0D4664F}" type="datetimeFigureOut">
               <a:rPr lang="en-US" smtClean="0"/>
-              <a:t>15/04/15</a:t>
+              <a:t>21/04/15</a:t>
             </a:fld>
             <a:endParaRPr lang="en-US"/>
           </a:p>
@@ -870,6 +1912,18 @@
   <p:clrMapOvr>
     <a:masterClrMapping/>
   </p:clrMapOvr>
+  <mc:AlternateContent xmlns:mc="http://schemas.openxmlformats.org/markup-compatibility/2006" xmlns:p14="http://schemas.microsoft.com/office/powerpoint/2010/main">
+    <mc:Choice Requires="p14">
+      <p:transition spd="slow" p14:dur="1200">
+        <p14:prism/>
+      </p:transition>
+    </mc:Choice>
+    <mc:Fallback xmlns="">
+      <p:transition xmlns:p14="http://schemas.microsoft.com/office/powerpoint/2010/main" spd="slow">
+        <p:fade/>
+      </p:transition>
+    </mc:Fallback>
+  </mc:AlternateContent>
 </p:sldLayout>
 </file>
 
@@ -992,7 +2046,7 @@
           <a:p>
             <a:fld id="{1CE37A50-DE71-CA4E-9F30-7CB5D0D4664F}" type="datetimeFigureOut">
               <a:rPr lang="en-US" smtClean="0"/>
-              <a:t>15/04/15</a:t>
+              <a:t>21/04/15</a:t>
             </a:fld>
             <a:endParaRPr lang="en-US"/>
           </a:p>
@@ -1050,6 +2104,18 @@
   <p:clrMapOvr>
     <a:masterClrMapping/>
   </p:clrMapOvr>
+  <mc:AlternateContent xmlns:mc="http://schemas.openxmlformats.org/markup-compatibility/2006" xmlns:p14="http://schemas.microsoft.com/office/powerpoint/2010/main">
+    <mc:Choice Requires="p14">
+      <p:transition spd="slow" p14:dur="1200">
+        <p14:prism/>
+      </p:transition>
+    </mc:Choice>
+    <mc:Fallback xmlns="">
+      <p:transition xmlns:p14="http://schemas.microsoft.com/office/powerpoint/2010/main" spd="slow">
+        <p:fade/>
+      </p:transition>
+    </mc:Fallback>
+  </mc:AlternateContent>
 </p:sldLayout>
 </file>
 
@@ -1162,7 +2228,7 @@
           <a:p>
             <a:fld id="{1CE37A50-DE71-CA4E-9F30-7CB5D0D4664F}" type="datetimeFigureOut">
               <a:rPr lang="en-US" smtClean="0"/>
-              <a:t>15/04/15</a:t>
+              <a:t>21/04/15</a:t>
             </a:fld>
             <a:endParaRPr lang="en-US"/>
           </a:p>
@@ -1220,6 +2286,18 @@
   <p:clrMapOvr>
     <a:masterClrMapping/>
   </p:clrMapOvr>
+  <mc:AlternateContent xmlns:mc="http://schemas.openxmlformats.org/markup-compatibility/2006" xmlns:p14="http://schemas.microsoft.com/office/powerpoint/2010/main">
+    <mc:Choice Requires="p14">
+      <p:transition spd="slow" p14:dur="1200">
+        <p14:prism/>
+      </p:transition>
+    </mc:Choice>
+    <mc:Fallback xmlns="">
+      <p:transition xmlns:p14="http://schemas.microsoft.com/office/powerpoint/2010/main" spd="slow">
+        <p:fade/>
+      </p:transition>
+    </mc:Fallback>
+  </mc:AlternateContent>
 </p:sldLayout>
 </file>
 
@@ -1408,7 +2486,7 @@
           <a:p>
             <a:fld id="{1CE37A50-DE71-CA4E-9F30-7CB5D0D4664F}" type="datetimeFigureOut">
               <a:rPr lang="en-US" smtClean="0"/>
-              <a:t>15/04/15</a:t>
+              <a:t>21/04/15</a:t>
             </a:fld>
             <a:endParaRPr lang="en-US"/>
           </a:p>
@@ -1466,6 +2544,18 @@
   <p:clrMapOvr>
     <a:masterClrMapping/>
   </p:clrMapOvr>
+  <mc:AlternateContent xmlns:mc="http://schemas.openxmlformats.org/markup-compatibility/2006" xmlns:p14="http://schemas.microsoft.com/office/powerpoint/2010/main">
+    <mc:Choice Requires="p14">
+      <p:transition spd="slow" p14:dur="1200">
+        <p14:prism/>
+      </p:transition>
+    </mc:Choice>
+    <mc:Fallback xmlns="">
+      <p:transition xmlns:p14="http://schemas.microsoft.com/office/powerpoint/2010/main" spd="slow">
+        <p:fade/>
+      </p:transition>
+    </mc:Fallback>
+  </mc:AlternateContent>
 </p:sldLayout>
 </file>
 
@@ -1696,7 +2786,7 @@
           <a:p>
             <a:fld id="{1CE37A50-DE71-CA4E-9F30-7CB5D0D4664F}" type="datetimeFigureOut">
               <a:rPr lang="en-US" smtClean="0"/>
-              <a:t>15/04/15</a:t>
+              <a:t>21/04/15</a:t>
             </a:fld>
             <a:endParaRPr lang="en-US"/>
           </a:p>
@@ -1754,6 +2844,18 @@
   <p:clrMapOvr>
     <a:masterClrMapping/>
   </p:clrMapOvr>
+  <mc:AlternateContent xmlns:mc="http://schemas.openxmlformats.org/markup-compatibility/2006" xmlns:p14="http://schemas.microsoft.com/office/powerpoint/2010/main">
+    <mc:Choice Requires="p14">
+      <p:transition spd="slow" p14:dur="1200">
+        <p14:prism/>
+      </p:transition>
+    </mc:Choice>
+    <mc:Fallback xmlns="">
+      <p:transition xmlns:p14="http://schemas.microsoft.com/office/powerpoint/2010/main" spd="slow">
+        <p:fade/>
+      </p:transition>
+    </mc:Fallback>
+  </mc:AlternateContent>
 </p:sldLayout>
 </file>
 
@@ -2118,7 +3220,7 @@
           <a:p>
             <a:fld id="{1CE37A50-DE71-CA4E-9F30-7CB5D0D4664F}" type="datetimeFigureOut">
               <a:rPr lang="en-US" smtClean="0"/>
-              <a:t>15/04/15</a:t>
+              <a:t>21/04/15</a:t>
             </a:fld>
             <a:endParaRPr lang="en-US"/>
           </a:p>
@@ -2176,6 +3278,18 @@
   <p:clrMapOvr>
     <a:masterClrMapping/>
   </p:clrMapOvr>
+  <mc:AlternateContent xmlns:mc="http://schemas.openxmlformats.org/markup-compatibility/2006" xmlns:p14="http://schemas.microsoft.com/office/powerpoint/2010/main">
+    <mc:Choice Requires="p14">
+      <p:transition spd="slow" p14:dur="1200">
+        <p14:prism/>
+      </p:transition>
+    </mc:Choice>
+    <mc:Fallback xmlns="">
+      <p:transition xmlns:p14="http://schemas.microsoft.com/office/powerpoint/2010/main" spd="slow">
+        <p:fade/>
+      </p:transition>
+    </mc:Fallback>
+  </mc:AlternateContent>
 </p:sldLayout>
 </file>
 
@@ -2236,7 +3350,7 @@
           <a:p>
             <a:fld id="{1CE37A50-DE71-CA4E-9F30-7CB5D0D4664F}" type="datetimeFigureOut">
               <a:rPr lang="en-US" smtClean="0"/>
-              <a:t>15/04/15</a:t>
+              <a:t>21/04/15</a:t>
             </a:fld>
             <a:endParaRPr lang="en-US"/>
           </a:p>
@@ -2294,6 +3408,18 @@
   <p:clrMapOvr>
     <a:masterClrMapping/>
   </p:clrMapOvr>
+  <mc:AlternateContent xmlns:mc="http://schemas.openxmlformats.org/markup-compatibility/2006" xmlns:p14="http://schemas.microsoft.com/office/powerpoint/2010/main">
+    <mc:Choice Requires="p14">
+      <p:transition spd="slow" p14:dur="1200">
+        <p14:prism/>
+      </p:transition>
+    </mc:Choice>
+    <mc:Fallback xmlns="">
+      <p:transition xmlns:p14="http://schemas.microsoft.com/office/powerpoint/2010/main" spd="slow">
+        <p:fade/>
+      </p:transition>
+    </mc:Fallback>
+  </mc:AlternateContent>
 </p:sldLayout>
 </file>
 
@@ -2331,7 +3457,7 @@
           <a:p>
             <a:fld id="{1CE37A50-DE71-CA4E-9F30-7CB5D0D4664F}" type="datetimeFigureOut">
               <a:rPr lang="en-US" smtClean="0"/>
-              <a:t>15/04/15</a:t>
+              <a:t>21/04/15</a:t>
             </a:fld>
             <a:endParaRPr lang="en-US"/>
           </a:p>
@@ -2389,6 +3515,18 @@
   <p:clrMapOvr>
     <a:masterClrMapping/>
   </p:clrMapOvr>
+  <mc:AlternateContent xmlns:mc="http://schemas.openxmlformats.org/markup-compatibility/2006" xmlns:p14="http://schemas.microsoft.com/office/powerpoint/2010/main">
+    <mc:Choice Requires="p14">
+      <p:transition spd="slow" p14:dur="1200">
+        <p14:prism/>
+      </p:transition>
+    </mc:Choice>
+    <mc:Fallback xmlns="">
+      <p:transition xmlns:p14="http://schemas.microsoft.com/office/powerpoint/2010/main" spd="slow">
+        <p:fade/>
+      </p:transition>
+    </mc:Fallback>
+  </mc:AlternateContent>
 </p:sldLayout>
 </file>
 
@@ -2608,7 +3746,7 @@
           <a:p>
             <a:fld id="{1CE37A50-DE71-CA4E-9F30-7CB5D0D4664F}" type="datetimeFigureOut">
               <a:rPr lang="en-US" smtClean="0"/>
-              <a:t>15/04/15</a:t>
+              <a:t>21/04/15</a:t>
             </a:fld>
             <a:endParaRPr lang="en-US"/>
           </a:p>
@@ -2666,6 +3804,18 @@
   <p:clrMapOvr>
     <a:masterClrMapping/>
   </p:clrMapOvr>
+  <mc:AlternateContent xmlns:mc="http://schemas.openxmlformats.org/markup-compatibility/2006" xmlns:p14="http://schemas.microsoft.com/office/powerpoint/2010/main">
+    <mc:Choice Requires="p14">
+      <p:transition spd="slow" p14:dur="1200">
+        <p14:prism/>
+      </p:transition>
+    </mc:Choice>
+    <mc:Fallback xmlns="">
+      <p:transition xmlns:p14="http://schemas.microsoft.com/office/powerpoint/2010/main" spd="slow">
+        <p:fade/>
+      </p:transition>
+    </mc:Fallback>
+  </mc:AlternateContent>
 </p:sldLayout>
 </file>
 
@@ -2861,7 +4011,7 @@
           <a:p>
             <a:fld id="{1CE37A50-DE71-CA4E-9F30-7CB5D0D4664F}" type="datetimeFigureOut">
               <a:rPr lang="en-US" smtClean="0"/>
-              <a:t>15/04/15</a:t>
+              <a:t>21/04/15</a:t>
             </a:fld>
             <a:endParaRPr lang="en-US"/>
           </a:p>
@@ -2919,6 +4069,18 @@
   <p:clrMapOvr>
     <a:masterClrMapping/>
   </p:clrMapOvr>
+  <mc:AlternateContent xmlns:mc="http://schemas.openxmlformats.org/markup-compatibility/2006" xmlns:p14="http://schemas.microsoft.com/office/powerpoint/2010/main">
+    <mc:Choice Requires="p14">
+      <p:transition spd="slow" p14:dur="1200">
+        <p14:prism/>
+      </p:transition>
+    </mc:Choice>
+    <mc:Fallback xmlns="">
+      <p:transition xmlns:p14="http://schemas.microsoft.com/office/powerpoint/2010/main" spd="slow">
+        <p:fade/>
+      </p:transition>
+    </mc:Fallback>
+  </mc:AlternateContent>
 </p:sldLayout>
 </file>
 
@@ -3162,7 +4324,7 @@
           <a:p>
             <a:fld id="{1CE37A50-DE71-CA4E-9F30-7CB5D0D4664F}" type="datetimeFigureOut">
               <a:rPr lang="en-US" smtClean="0"/>
-              <a:t>15/04/15</a:t>
+              <a:t>21/04/15</a:t>
             </a:fld>
             <a:endParaRPr lang="en-US"/>
           </a:p>
@@ -3267,6 +4429,25 @@
     <p:sldLayoutId id="2147483658" r:id="rId10"/>
     <p:sldLayoutId id="2147483659" r:id="rId11"/>
   </p:sldLayoutIdLst>
+  <mc:AlternateContent xmlns:mc="http://schemas.openxmlformats.org/markup-compatibility/2006" xmlns:p14="http://schemas.microsoft.com/office/powerpoint/2010/main">
+    <mc:Choice Requires="p14">
+      <p:transition spd="slow" p14:dur="1200">
+        <p14:prism/>
+      </p:transition>
+    </mc:Choice>
+    <mc:Fallback xmlns="">
+      <p:transition xmlns:p14="http://schemas.microsoft.com/office/powerpoint/2010/main" spd="slow">
+        <p:fade/>
+      </p:transition>
+    </mc:Fallback>
+  </mc:AlternateContent>
+  <p:timing>
+    <p:tnLst>
+      <p:par>
+        <p:cTn xmlns:p14="http://schemas.microsoft.com/office/powerpoint/2010/main" id="1" dur="indefinite" restart="never" nodeType="tmRoot"/>
+      </p:par>
+    </p:tnLst>
+  </p:timing>
   <p:txStyles>
     <p:titleStyle>
       <a:lvl1pPr algn="ctr" defTabSz="457200" rtl="0" eaLnBrk="1" latinLnBrk="0" hangingPunct="1">
@@ -3583,6 +4764,14 @@
           <a:bodyPr/>
           <a:lstStyle/>
           <a:p>
+            <a:r>
+              <a:rPr lang="en-US" dirty="0" smtClean="0"/>
+              <a:t>Mateusz </a:t>
+            </a:r>
+            <a:r>
+              <a:rPr lang="en-US" dirty="0" err="1" smtClean="0"/>
+              <a:t>Jamiołkowski</a:t>
+            </a:r>
             <a:endParaRPr lang="en-US" dirty="0"/>
           </a:p>
         </p:txBody>
@@ -3597,6 +4786,443 @@
   <p:clrMapOvr>
     <a:masterClrMapping/>
   </p:clrMapOvr>
+  <mc:AlternateContent xmlns:mc="http://schemas.openxmlformats.org/markup-compatibility/2006" xmlns:p14="http://schemas.microsoft.com/office/powerpoint/2010/main">
+    <mc:Choice Requires="p14">
+      <p:transition spd="slow" p14:dur="1200">
+        <p14:prism/>
+      </p:transition>
+    </mc:Choice>
+    <mc:Fallback xmlns="">
+      <p:transition xmlns:p14="http://schemas.microsoft.com/office/powerpoint/2010/main" spd="slow">
+        <p:fade/>
+      </p:transition>
+    </mc:Fallback>
+  </mc:AlternateContent>
+  <p:timing>
+    <p:tnLst>
+      <p:par>
+        <p:cTn xmlns:p14="http://schemas.microsoft.com/office/powerpoint/2010/main" id="1" dur="indefinite" restart="never" nodeType="tmRoot"/>
+      </p:par>
+    </p:tnLst>
+  </p:timing>
+</p:sld>
+</file>
+
+<file path=ppt/slides/slide10.xml><?xml version="1.0" encoding="utf-8"?>
+<p:sld xmlns:a="http://schemas.openxmlformats.org/drawingml/2006/main" xmlns:r="http://schemas.openxmlformats.org/officeDocument/2006/relationships" xmlns:p="http://schemas.openxmlformats.org/presentationml/2006/main">
+  <p:cSld>
+    <p:spTree>
+      <p:nvGrpSpPr>
+        <p:cNvPr id="1" name=""/>
+        <p:cNvGrpSpPr/>
+        <p:nvPr/>
+      </p:nvGrpSpPr>
+      <p:grpSpPr>
+        <a:xfrm>
+          <a:off x="0" y="0"/>
+          <a:ext cx="0" cy="0"/>
+          <a:chOff x="0" y="0"/>
+          <a:chExt cx="0" cy="0"/>
+        </a:xfrm>
+      </p:grpSpPr>
+      <p:sp>
+        <p:nvSpPr>
+          <p:cNvPr id="2" name="Title 1"/>
+          <p:cNvSpPr>
+            <a:spLocks noGrp="1"/>
+          </p:cNvSpPr>
+          <p:nvPr>
+            <p:ph type="title"/>
+          </p:nvPr>
+        </p:nvSpPr>
+        <p:spPr/>
+        <p:txBody>
+          <a:bodyPr/>
+          <a:lstStyle/>
+          <a:p>
+            <a:r>
+              <a:rPr lang="en-US" dirty="0" smtClean="0"/>
+              <a:t>Test structure</a:t>
+            </a:r>
+            <a:endParaRPr lang="en-US" dirty="0"/>
+          </a:p>
+        </p:txBody>
+      </p:sp>
+      <p:sp>
+        <p:nvSpPr>
+          <p:cNvPr id="3" name="Content Placeholder 2"/>
+          <p:cNvSpPr>
+            <a:spLocks noGrp="1"/>
+          </p:cNvSpPr>
+          <p:nvPr>
+            <p:ph idx="1"/>
+          </p:nvPr>
+        </p:nvSpPr>
+        <p:spPr/>
+        <p:txBody>
+          <a:bodyPr/>
+          <a:lstStyle/>
+          <a:p>
+            <a:pPr marL="342900" lvl="1" indent="-342900">
+              <a:buFont typeface="Arial"/>
+              <a:buChar char="•"/>
+            </a:pPr>
+            <a:r>
+              <a:rPr lang="en-US" dirty="0"/>
+              <a:t>Test </a:t>
+            </a:r>
+            <a:r>
+              <a:rPr lang="en-US" dirty="0" smtClean="0"/>
+              <a:t>Plan</a:t>
+            </a:r>
+          </a:p>
+          <a:p>
+            <a:pPr lvl="1"/>
+            <a:r>
+              <a:rPr lang="en-US" dirty="0" smtClean="0"/>
+              <a:t>Thread Group</a:t>
+            </a:r>
+          </a:p>
+          <a:p>
+            <a:pPr lvl="3"/>
+            <a:r>
+              <a:rPr lang="en-US" dirty="0" smtClean="0"/>
+              <a:t>Defaults</a:t>
+            </a:r>
+          </a:p>
+          <a:p>
+            <a:pPr lvl="3"/>
+            <a:r>
+              <a:rPr lang="en-US" dirty="0" smtClean="0"/>
+              <a:t>HTTP Sampler</a:t>
+            </a:r>
+          </a:p>
+          <a:p>
+            <a:pPr lvl="4"/>
+            <a:r>
+              <a:rPr lang="en-US" dirty="0" smtClean="0"/>
+              <a:t>Timer</a:t>
+            </a:r>
+          </a:p>
+          <a:p>
+            <a:pPr lvl="3"/>
+            <a:r>
+              <a:rPr lang="en-US" dirty="0" smtClean="0"/>
+              <a:t>Listener</a:t>
+            </a:r>
+          </a:p>
+          <a:p>
+            <a:pPr lvl="3"/>
+            <a:endParaRPr lang="en-US" dirty="0" smtClean="0"/>
+          </a:p>
+          <a:p>
+            <a:pPr lvl="1"/>
+            <a:endParaRPr lang="en-US" dirty="0"/>
+          </a:p>
+        </p:txBody>
+      </p:sp>
+    </p:spTree>
+    <p:extLst>
+      <p:ext uri="{BB962C8B-B14F-4D97-AF65-F5344CB8AC3E}">
+        <p14:creationId xmlns:p14="http://schemas.microsoft.com/office/powerpoint/2010/main" val="930628606"/>
+      </p:ext>
+    </p:extLst>
+  </p:cSld>
+  <p:clrMapOvr>
+    <a:masterClrMapping/>
+  </p:clrMapOvr>
+  <mc:AlternateContent xmlns:mc="http://schemas.openxmlformats.org/markup-compatibility/2006" xmlns:p14="http://schemas.microsoft.com/office/powerpoint/2010/main">
+    <mc:Choice Requires="p14">
+      <p:transition spd="slow" p14:dur="1200">
+        <p14:prism/>
+      </p:transition>
+    </mc:Choice>
+    <mc:Fallback xmlns="">
+      <p:transition xmlns:p14="http://schemas.microsoft.com/office/powerpoint/2010/main" spd="slow">
+        <p:fade/>
+      </p:transition>
+    </mc:Fallback>
+  </mc:AlternateContent>
+  <p:timing>
+    <p:tnLst>
+      <p:par>
+        <p:cTn xmlns:p14="http://schemas.microsoft.com/office/powerpoint/2010/main" id="1" dur="indefinite" restart="never" nodeType="tmRoot"/>
+      </p:par>
+    </p:tnLst>
+  </p:timing>
+</p:sld>
+</file>
+
+<file path=ppt/slides/slide11.xml><?xml version="1.0" encoding="utf-8"?>
+<p:sld xmlns:a="http://schemas.openxmlformats.org/drawingml/2006/main" xmlns:r="http://schemas.openxmlformats.org/officeDocument/2006/relationships" xmlns:p="http://schemas.openxmlformats.org/presentationml/2006/main">
+  <p:cSld>
+    <p:spTree>
+      <p:nvGrpSpPr>
+        <p:cNvPr id="1" name=""/>
+        <p:cNvGrpSpPr/>
+        <p:nvPr/>
+      </p:nvGrpSpPr>
+      <p:grpSpPr>
+        <a:xfrm>
+          <a:off x="0" y="0"/>
+          <a:ext cx="0" cy="0"/>
+          <a:chOff x="0" y="0"/>
+          <a:chExt cx="0" cy="0"/>
+        </a:xfrm>
+      </p:grpSpPr>
+      <p:sp>
+        <p:nvSpPr>
+          <p:cNvPr id="4" name="Title 3"/>
+          <p:cNvSpPr>
+            <a:spLocks noGrp="1"/>
+          </p:cNvSpPr>
+          <p:nvPr>
+            <p:ph type="title"/>
+          </p:nvPr>
+        </p:nvSpPr>
+        <p:spPr/>
+        <p:txBody>
+          <a:bodyPr/>
+          <a:lstStyle/>
+          <a:p>
+            <a:r>
+              <a:rPr lang="en-US" dirty="0" smtClean="0"/>
+              <a:t>Demo time</a:t>
+            </a:r>
+            <a:endParaRPr lang="en-US" dirty="0"/>
+          </a:p>
+        </p:txBody>
+      </p:sp>
+      <p:sp>
+        <p:nvSpPr>
+          <p:cNvPr id="5" name="Text Placeholder 4"/>
+          <p:cNvSpPr>
+            <a:spLocks noGrp="1"/>
+          </p:cNvSpPr>
+          <p:nvPr>
+            <p:ph type="body" idx="1"/>
+          </p:nvPr>
+        </p:nvSpPr>
+        <p:spPr/>
+        <p:txBody>
+          <a:bodyPr/>
+          <a:lstStyle/>
+          <a:p>
+            <a:endParaRPr lang="en-US"/>
+          </a:p>
+        </p:txBody>
+      </p:sp>
+    </p:spTree>
+    <p:extLst>
+      <p:ext uri="{BB962C8B-B14F-4D97-AF65-F5344CB8AC3E}">
+        <p14:creationId xmlns:p14="http://schemas.microsoft.com/office/powerpoint/2010/main" val="1279584016"/>
+      </p:ext>
+    </p:extLst>
+  </p:cSld>
+  <p:clrMapOvr>
+    <a:masterClrMapping/>
+  </p:clrMapOvr>
+  <mc:AlternateContent xmlns:mc="http://schemas.openxmlformats.org/markup-compatibility/2006" xmlns:p14="http://schemas.microsoft.com/office/powerpoint/2010/main">
+    <mc:Choice Requires="p14">
+      <p:transition spd="slow" p14:dur="1200">
+        <p14:prism/>
+      </p:transition>
+    </mc:Choice>
+    <mc:Fallback xmlns="">
+      <p:transition xmlns:p14="http://schemas.microsoft.com/office/powerpoint/2010/main" spd="slow">
+        <p:fade/>
+      </p:transition>
+    </mc:Fallback>
+  </mc:AlternateContent>
+  <p:timing>
+    <p:tnLst>
+      <p:par>
+        <p:cTn xmlns:p14="http://schemas.microsoft.com/office/powerpoint/2010/main" id="1" dur="indefinite" restart="never" nodeType="tmRoot"/>
+      </p:par>
+    </p:tnLst>
+  </p:timing>
+</p:sld>
+</file>
+
+<file path=ppt/slides/slide12.xml><?xml version="1.0" encoding="utf-8"?>
+<p:sld xmlns:a="http://schemas.openxmlformats.org/drawingml/2006/main" xmlns:r="http://schemas.openxmlformats.org/officeDocument/2006/relationships" xmlns:p="http://schemas.openxmlformats.org/presentationml/2006/main">
+  <p:cSld>
+    <p:spTree>
+      <p:nvGrpSpPr>
+        <p:cNvPr id="1" name=""/>
+        <p:cNvGrpSpPr/>
+        <p:nvPr/>
+      </p:nvGrpSpPr>
+      <p:grpSpPr>
+        <a:xfrm>
+          <a:off x="0" y="0"/>
+          <a:ext cx="0" cy="0"/>
+          <a:chOff x="0" y="0"/>
+          <a:chExt cx="0" cy="0"/>
+        </a:xfrm>
+      </p:grpSpPr>
+      <p:sp>
+        <p:nvSpPr>
+          <p:cNvPr id="2" name="Title 1"/>
+          <p:cNvSpPr>
+            <a:spLocks noGrp="1"/>
+          </p:cNvSpPr>
+          <p:nvPr>
+            <p:ph type="title"/>
+          </p:nvPr>
+        </p:nvSpPr>
+        <p:spPr/>
+        <p:txBody>
+          <a:bodyPr/>
+          <a:lstStyle/>
+          <a:p>
+            <a:r>
+              <a:rPr lang="en-US" dirty="0" smtClean="0"/>
+              <a:t>Integrating with build server</a:t>
+            </a:r>
+            <a:endParaRPr lang="en-US" dirty="0"/>
+          </a:p>
+        </p:txBody>
+      </p:sp>
+      <p:sp>
+        <p:nvSpPr>
+          <p:cNvPr id="3" name="Text Placeholder 2"/>
+          <p:cNvSpPr>
+            <a:spLocks noGrp="1"/>
+          </p:cNvSpPr>
+          <p:nvPr>
+            <p:ph type="body" idx="1"/>
+          </p:nvPr>
+        </p:nvSpPr>
+        <p:spPr/>
+        <p:txBody>
+          <a:bodyPr/>
+          <a:lstStyle/>
+          <a:p>
+            <a:endParaRPr lang="en-US"/>
+          </a:p>
+        </p:txBody>
+      </p:sp>
+    </p:spTree>
+    <p:extLst>
+      <p:ext uri="{BB962C8B-B14F-4D97-AF65-F5344CB8AC3E}">
+        <p14:creationId xmlns:p14="http://schemas.microsoft.com/office/powerpoint/2010/main" val="1578318895"/>
+      </p:ext>
+    </p:extLst>
+  </p:cSld>
+  <p:clrMapOvr>
+    <a:masterClrMapping/>
+  </p:clrMapOvr>
+  <mc:AlternateContent xmlns:mc="http://schemas.openxmlformats.org/markup-compatibility/2006" xmlns:p14="http://schemas.microsoft.com/office/powerpoint/2010/main">
+    <mc:Choice Requires="p14">
+      <p:transition spd="slow" p14:dur="1200">
+        <p14:prism/>
+      </p:transition>
+    </mc:Choice>
+    <mc:Fallback xmlns="">
+      <p:transition xmlns:p14="http://schemas.microsoft.com/office/powerpoint/2010/main" spd="slow">
+        <p:fade/>
+      </p:transition>
+    </mc:Fallback>
+  </mc:AlternateContent>
+  <p:timing>
+    <p:tnLst>
+      <p:par>
+        <p:cTn xmlns:p14="http://schemas.microsoft.com/office/powerpoint/2010/main" id="1" dur="indefinite" restart="never" nodeType="tmRoot"/>
+      </p:par>
+    </p:tnLst>
+  </p:timing>
+</p:sld>
+</file>
+
+<file path=ppt/slides/slide13.xml><?xml version="1.0" encoding="utf-8"?>
+<p:sld xmlns:a="http://schemas.openxmlformats.org/drawingml/2006/main" xmlns:r="http://schemas.openxmlformats.org/officeDocument/2006/relationships" xmlns:p="http://schemas.openxmlformats.org/presentationml/2006/main">
+  <p:cSld>
+    <p:spTree>
+      <p:nvGrpSpPr>
+        <p:cNvPr id="1" name=""/>
+        <p:cNvGrpSpPr/>
+        <p:nvPr/>
+      </p:nvGrpSpPr>
+      <p:grpSpPr>
+        <a:xfrm>
+          <a:off x="0" y="0"/>
+          <a:ext cx="0" cy="0"/>
+          <a:chOff x="0" y="0"/>
+          <a:chExt cx="0" cy="0"/>
+        </a:xfrm>
+      </p:grpSpPr>
+      <p:sp>
+        <p:nvSpPr>
+          <p:cNvPr id="2" name="Title 1"/>
+          <p:cNvSpPr>
+            <a:spLocks noGrp="1"/>
+          </p:cNvSpPr>
+          <p:nvPr>
+            <p:ph type="title"/>
+          </p:nvPr>
+        </p:nvSpPr>
+        <p:spPr/>
+        <p:txBody>
+          <a:bodyPr/>
+          <a:lstStyle/>
+          <a:p>
+            <a:r>
+              <a:rPr lang="en-US" dirty="0" smtClean="0"/>
+              <a:t>Thanks</a:t>
+            </a:r>
+            <a:endParaRPr lang="en-US" dirty="0"/>
+          </a:p>
+        </p:txBody>
+      </p:sp>
+      <p:sp>
+        <p:nvSpPr>
+          <p:cNvPr id="3" name="Text Placeholder 2"/>
+          <p:cNvSpPr>
+            <a:spLocks noGrp="1"/>
+          </p:cNvSpPr>
+          <p:nvPr>
+            <p:ph type="body" idx="1"/>
+          </p:nvPr>
+        </p:nvSpPr>
+        <p:spPr/>
+        <p:txBody>
+          <a:bodyPr/>
+          <a:lstStyle/>
+          <a:p>
+            <a:endParaRPr lang="en-US"/>
+          </a:p>
+        </p:txBody>
+      </p:sp>
+    </p:spTree>
+    <p:extLst>
+      <p:ext uri="{BB962C8B-B14F-4D97-AF65-F5344CB8AC3E}">
+        <p14:creationId xmlns:p14="http://schemas.microsoft.com/office/powerpoint/2010/main" val="1677209040"/>
+      </p:ext>
+    </p:extLst>
+  </p:cSld>
+  <p:clrMapOvr>
+    <a:masterClrMapping/>
+  </p:clrMapOvr>
+  <mc:AlternateContent xmlns:mc="http://schemas.openxmlformats.org/markup-compatibility/2006" xmlns:p14="http://schemas.microsoft.com/office/powerpoint/2010/main">
+    <mc:Choice Requires="p14">
+      <p:transition spd="slow" p14:dur="1200">
+        <p14:prism/>
+      </p:transition>
+    </mc:Choice>
+    <mc:Fallback xmlns="">
+      <p:transition xmlns:p14="http://schemas.microsoft.com/office/powerpoint/2010/main" spd="slow">
+        <p:fade/>
+      </p:transition>
+    </mc:Fallback>
+  </mc:AlternateContent>
+  <p:timing>
+    <p:tnLst>
+      <p:par>
+        <p:cTn xmlns:p14="http://schemas.microsoft.com/office/powerpoint/2010/main" id="1" dur="indefinite" restart="never" nodeType="tmRoot"/>
+      </p:par>
+    </p:tnLst>
+  </p:timing>
 </p:sld>
 </file>
 
@@ -3632,26 +5258,121 @@
           <a:bodyPr/>
           <a:lstStyle/>
           <a:p>
+            <a:r>
+              <a:rPr lang="en-US" dirty="0" err="1" smtClean="0"/>
+              <a:t>INTRODUCTIOn</a:t>
+            </a:r>
             <a:endParaRPr lang="en-US" dirty="0"/>
           </a:p>
         </p:txBody>
       </p:sp>
       <p:sp>
         <p:nvSpPr>
-          <p:cNvPr id="5" name="Content Placeholder 4"/>
-          <p:cNvSpPr>
-            <a:spLocks noGrp="1"/>
-          </p:cNvSpPr>
-          <p:nvPr>
-            <p:ph idx="1"/>
-          </p:nvPr>
-        </p:nvSpPr>
-        <p:spPr/>
-        <p:txBody>
-          <a:bodyPr/>
-          <a:lstStyle/>
-          <a:p>
+          <p:cNvPr id="5" name="Text Placeholder 4"/>
+          <p:cNvSpPr>
+            <a:spLocks noGrp="1"/>
+          </p:cNvSpPr>
+          <p:nvPr>
+            <p:ph type="body" idx="1"/>
+          </p:nvPr>
+        </p:nvSpPr>
+        <p:spPr/>
+        <p:txBody>
+          <a:bodyPr/>
+          <a:lstStyle/>
+          <a:p>
+            <a:endParaRPr lang="en-US"/>
+          </a:p>
+        </p:txBody>
+      </p:sp>
+    </p:spTree>
+    <p:extLst>
+      <p:ext uri="{BB962C8B-B14F-4D97-AF65-F5344CB8AC3E}">
+        <p14:creationId xmlns:p14="http://schemas.microsoft.com/office/powerpoint/2010/main" val="1427267977"/>
+      </p:ext>
+    </p:extLst>
+  </p:cSld>
+  <p:clrMapOvr>
+    <a:masterClrMapping/>
+  </p:clrMapOvr>
+  <mc:AlternateContent xmlns:mc="http://schemas.openxmlformats.org/markup-compatibility/2006" xmlns:p14="http://schemas.microsoft.com/office/powerpoint/2010/main">
+    <mc:Choice Requires="p14">
+      <p:transition spd="slow" p14:dur="1200">
+        <p14:prism/>
+      </p:transition>
+    </mc:Choice>
+    <mc:Fallback xmlns="">
+      <p:transition xmlns:p14="http://schemas.microsoft.com/office/powerpoint/2010/main" spd="slow">
+        <p:fade/>
+      </p:transition>
+    </mc:Fallback>
+  </mc:AlternateContent>
+  <p:timing>
+    <p:tnLst>
+      <p:par>
+        <p:cTn xmlns:p14="http://schemas.microsoft.com/office/powerpoint/2010/main" id="1" dur="indefinite" restart="never" nodeType="tmRoot"/>
+      </p:par>
+    </p:tnLst>
+  </p:timing>
+</p:sld>
+</file>
+
+<file path=ppt/slides/slide3.xml><?xml version="1.0" encoding="utf-8"?>
+<p:sld xmlns:a="http://schemas.openxmlformats.org/drawingml/2006/main" xmlns:r="http://schemas.openxmlformats.org/officeDocument/2006/relationships" xmlns:p="http://schemas.openxmlformats.org/presentationml/2006/main">
+  <p:cSld>
+    <p:spTree>
+      <p:nvGrpSpPr>
+        <p:cNvPr id="1" name=""/>
+        <p:cNvGrpSpPr/>
+        <p:nvPr/>
+      </p:nvGrpSpPr>
+      <p:grpSpPr>
+        <a:xfrm>
+          <a:off x="0" y="0"/>
+          <a:ext cx="0" cy="0"/>
+          <a:chOff x="0" y="0"/>
+          <a:chExt cx="0" cy="0"/>
+        </a:xfrm>
+      </p:grpSpPr>
+      <p:sp>
+        <p:nvSpPr>
+          <p:cNvPr id="2" name="Title 1"/>
+          <p:cNvSpPr>
+            <a:spLocks noGrp="1"/>
+          </p:cNvSpPr>
+          <p:nvPr>
+            <p:ph type="title"/>
+          </p:nvPr>
+        </p:nvSpPr>
+        <p:spPr/>
+        <p:txBody>
+          <a:bodyPr/>
+          <a:lstStyle/>
+          <a:p>
+            <a:r>
+              <a:rPr lang="en-US" dirty="0" smtClean="0"/>
+              <a:t>foundations</a:t>
+            </a:r>
             <a:endParaRPr lang="en-US" dirty="0"/>
+          </a:p>
+        </p:txBody>
+      </p:sp>
+      <p:sp>
+        <p:nvSpPr>
+          <p:cNvPr id="3" name="Text Placeholder 2"/>
+          <p:cNvSpPr>
+            <a:spLocks noGrp="1"/>
+          </p:cNvSpPr>
+          <p:nvPr>
+            <p:ph type="body" idx="1"/>
+          </p:nvPr>
+        </p:nvSpPr>
+        <p:spPr/>
+        <p:txBody>
+          <a:bodyPr/>
+          <a:lstStyle/>
+          <a:p>
+            <a:endParaRPr lang="en-US"/>
           </a:p>
         </p:txBody>
       </p:sp>
@@ -3665,6 +5386,2194 @@
   <p:clrMapOvr>
     <a:masterClrMapping/>
   </p:clrMapOvr>
+  <mc:AlternateContent xmlns:mc="http://schemas.openxmlformats.org/markup-compatibility/2006" xmlns:p14="http://schemas.microsoft.com/office/powerpoint/2010/main">
+    <mc:Choice Requires="p14">
+      <p:transition spd="slow" p14:dur="1200">
+        <p14:prism/>
+      </p:transition>
+    </mc:Choice>
+    <mc:Fallback xmlns="">
+      <p:transition xmlns:p14="http://schemas.microsoft.com/office/powerpoint/2010/main" spd="slow">
+        <p:fade/>
+      </p:transition>
+    </mc:Fallback>
+  </mc:AlternateContent>
+  <p:timing>
+    <p:tnLst>
+      <p:par>
+        <p:cTn xmlns:p14="http://schemas.microsoft.com/office/powerpoint/2010/main" id="1" dur="indefinite" restart="never" nodeType="tmRoot"/>
+      </p:par>
+    </p:tnLst>
+  </p:timing>
+</p:sld>
+</file>
+
+<file path=ppt/slides/slide4.xml><?xml version="1.0" encoding="utf-8"?>
+<p:sld xmlns:a="http://schemas.openxmlformats.org/drawingml/2006/main" xmlns:r="http://schemas.openxmlformats.org/officeDocument/2006/relationships" xmlns:p="http://schemas.openxmlformats.org/presentationml/2006/main">
+  <p:cSld>
+    <p:spTree>
+      <p:nvGrpSpPr>
+        <p:cNvPr id="1" name=""/>
+        <p:cNvGrpSpPr/>
+        <p:nvPr/>
+      </p:nvGrpSpPr>
+      <p:grpSpPr>
+        <a:xfrm>
+          <a:off x="0" y="0"/>
+          <a:ext cx="0" cy="0"/>
+          <a:chOff x="0" y="0"/>
+          <a:chExt cx="0" cy="0"/>
+        </a:xfrm>
+      </p:grpSpPr>
+      <p:sp>
+        <p:nvSpPr>
+          <p:cNvPr id="4" name="Title 3"/>
+          <p:cNvSpPr>
+            <a:spLocks noGrp="1"/>
+          </p:cNvSpPr>
+          <p:nvPr>
+            <p:ph type="title"/>
+          </p:nvPr>
+        </p:nvSpPr>
+        <p:spPr/>
+        <p:txBody>
+          <a:bodyPr>
+            <a:normAutofit/>
+          </a:bodyPr>
+          <a:lstStyle/>
+          <a:p>
+            <a:r>
+              <a:rPr lang="en-US" dirty="0"/>
+              <a:t>Why to do performance testing</a:t>
+            </a:r>
+            <a:r>
+              <a:rPr lang="en-US" dirty="0" smtClean="0"/>
+              <a:t>?</a:t>
+            </a:r>
+            <a:endParaRPr lang="en-US" dirty="0"/>
+          </a:p>
+        </p:txBody>
+      </p:sp>
+      <p:sp>
+        <p:nvSpPr>
+          <p:cNvPr id="5" name="Content Placeholder 4"/>
+          <p:cNvSpPr>
+            <a:spLocks noGrp="1"/>
+          </p:cNvSpPr>
+          <p:nvPr>
+            <p:ph idx="1"/>
+          </p:nvPr>
+        </p:nvSpPr>
+        <p:spPr/>
+        <p:txBody>
+          <a:bodyPr/>
+          <a:lstStyle/>
+          <a:p>
+            <a:r>
+              <a:rPr lang="en-US" dirty="0" smtClean="0"/>
+              <a:t>During </a:t>
+            </a:r>
+            <a:r>
+              <a:rPr lang="en-US" dirty="0" err="1" smtClean="0"/>
+              <a:t>dev</a:t>
+            </a:r>
+            <a:r>
+              <a:rPr lang="en-US" dirty="0"/>
+              <a:t> </a:t>
+            </a:r>
+            <a:r>
+              <a:rPr lang="en-US" dirty="0" smtClean="0"/>
+              <a:t>we don’t put system under heavy </a:t>
+            </a:r>
+            <a:r>
+              <a:rPr lang="en-US" dirty="0" err="1" smtClean="0"/>
+              <a:t>laod</a:t>
+            </a:r>
+            <a:endParaRPr lang="en-US" dirty="0" smtClean="0"/>
+          </a:p>
+          <a:p>
+            <a:r>
+              <a:rPr lang="en-US" dirty="0" smtClean="0"/>
+              <a:t>Check </a:t>
+            </a:r>
+            <a:r>
+              <a:rPr lang="en-US" dirty="0"/>
+              <a:t>how system fulfills non-functional performance </a:t>
+            </a:r>
+            <a:r>
+              <a:rPr lang="en-US" dirty="0" smtClean="0"/>
+              <a:t>requirements</a:t>
+            </a:r>
+          </a:p>
+          <a:p>
+            <a:r>
+              <a:rPr lang="en-US" dirty="0" smtClean="0"/>
+              <a:t>Some examples</a:t>
+            </a:r>
+          </a:p>
+          <a:p>
+            <a:pPr lvl="1"/>
+            <a:r>
+              <a:rPr lang="en-US" dirty="0" smtClean="0"/>
+              <a:t>Internal user login</a:t>
+            </a:r>
+          </a:p>
+          <a:p>
+            <a:pPr lvl="1"/>
+            <a:r>
+              <a:rPr lang="en-US" dirty="0" smtClean="0"/>
+              <a:t>Add business</a:t>
+            </a:r>
+          </a:p>
+        </p:txBody>
+      </p:sp>
+    </p:spTree>
+    <p:extLst>
+      <p:ext uri="{BB962C8B-B14F-4D97-AF65-F5344CB8AC3E}">
+        <p14:creationId xmlns:p14="http://schemas.microsoft.com/office/powerpoint/2010/main" val="3884116165"/>
+      </p:ext>
+    </p:extLst>
+  </p:cSld>
+  <p:clrMapOvr>
+    <a:masterClrMapping/>
+  </p:clrMapOvr>
+  <mc:AlternateContent xmlns:mc="http://schemas.openxmlformats.org/markup-compatibility/2006" xmlns:p14="http://schemas.microsoft.com/office/powerpoint/2010/main">
+    <mc:Choice Requires="p14">
+      <p:transition spd="slow" p14:dur="1200">
+        <p14:prism/>
+      </p:transition>
+    </mc:Choice>
+    <mc:Fallback xmlns="">
+      <p:transition xmlns:p14="http://schemas.microsoft.com/office/powerpoint/2010/main" spd="slow">
+        <p:fade/>
+      </p:transition>
+    </mc:Fallback>
+  </mc:AlternateContent>
+  <p:timing>
+    <p:tnLst>
+      <p:par>
+        <p:cTn xmlns:p14="http://schemas.microsoft.com/office/powerpoint/2010/main" id="1" dur="indefinite" restart="never" nodeType="tmRoot">
+          <p:childTnLst>
+            <p:seq concurrent="1" nextAc="seek">
+              <p:cTn id="2" dur="indefinite" nodeType="mainSeq">
+                <p:childTnLst>
+                  <p:par>
+                    <p:cTn id="3" fill="hold">
+                      <p:stCondLst>
+                        <p:cond delay="indefinite"/>
+                      </p:stCondLst>
+                      <p:childTnLst>
+                        <p:par>
+                          <p:cTn id="4" fill="hold">
+                            <p:stCondLst>
+                              <p:cond delay="0"/>
+                            </p:stCondLst>
+                            <p:childTnLst>
+                              <p:par>
+                                <p:cTn id="5" presetID="10" presetClass="entr" presetSubtype="0" fill="hold" grpId="0" nodeType="clickEffect">
+                                  <p:stCondLst>
+                                    <p:cond delay="0"/>
+                                  </p:stCondLst>
+                                  <p:childTnLst>
+                                    <p:set>
+                                      <p:cBhvr>
+                                        <p:cTn id="6" dur="1" fill="hold">
+                                          <p:stCondLst>
+                                            <p:cond delay="0"/>
+                                          </p:stCondLst>
+                                        </p:cTn>
+                                        <p:tgtEl>
+                                          <p:spTgt spid="5">
+                                            <p:txEl>
+                                              <p:pRg st="0" end="0"/>
+                                            </p:txEl>
+                                          </p:spTgt>
+                                        </p:tgtEl>
+                                        <p:attrNameLst>
+                                          <p:attrName>style.visibility</p:attrName>
+                                        </p:attrNameLst>
+                                      </p:cBhvr>
+                                      <p:to>
+                                        <p:strVal val="visible"/>
+                                      </p:to>
+                                    </p:set>
+                                    <p:animEffect transition="in" filter="fade">
+                                      <p:cBhvr>
+                                        <p:cTn id="7" dur="500"/>
+                                        <p:tgtEl>
+                                          <p:spTgt spid="5">
+                                            <p:txEl>
+                                              <p:pRg st="0" end="0"/>
+                                            </p:txEl>
+                                          </p:spTgt>
+                                        </p:tgtEl>
+                                      </p:cBhvr>
+                                    </p:animEffect>
+                                  </p:childTnLst>
+                                </p:cTn>
+                              </p:par>
+                            </p:childTnLst>
+                          </p:cTn>
+                        </p:par>
+                      </p:childTnLst>
+                    </p:cTn>
+                  </p:par>
+                  <p:par>
+                    <p:cTn id="8" fill="hold">
+                      <p:stCondLst>
+                        <p:cond delay="indefinite"/>
+                      </p:stCondLst>
+                      <p:childTnLst>
+                        <p:par>
+                          <p:cTn id="9" fill="hold">
+                            <p:stCondLst>
+                              <p:cond delay="0"/>
+                            </p:stCondLst>
+                            <p:childTnLst>
+                              <p:par>
+                                <p:cTn id="10" presetID="10" presetClass="entr" presetSubtype="0" fill="hold" grpId="0" nodeType="clickEffect">
+                                  <p:stCondLst>
+                                    <p:cond delay="0"/>
+                                  </p:stCondLst>
+                                  <p:childTnLst>
+                                    <p:set>
+                                      <p:cBhvr>
+                                        <p:cTn id="11" dur="1" fill="hold">
+                                          <p:stCondLst>
+                                            <p:cond delay="0"/>
+                                          </p:stCondLst>
+                                        </p:cTn>
+                                        <p:tgtEl>
+                                          <p:spTgt spid="5">
+                                            <p:txEl>
+                                              <p:pRg st="1" end="1"/>
+                                            </p:txEl>
+                                          </p:spTgt>
+                                        </p:tgtEl>
+                                        <p:attrNameLst>
+                                          <p:attrName>style.visibility</p:attrName>
+                                        </p:attrNameLst>
+                                      </p:cBhvr>
+                                      <p:to>
+                                        <p:strVal val="visible"/>
+                                      </p:to>
+                                    </p:set>
+                                    <p:animEffect transition="in" filter="fade">
+                                      <p:cBhvr>
+                                        <p:cTn id="12" dur="500"/>
+                                        <p:tgtEl>
+                                          <p:spTgt spid="5">
+                                            <p:txEl>
+                                              <p:pRg st="1" end="1"/>
+                                            </p:txEl>
+                                          </p:spTgt>
+                                        </p:tgtEl>
+                                      </p:cBhvr>
+                                    </p:animEffect>
+                                  </p:childTnLst>
+                                </p:cTn>
+                              </p:par>
+                            </p:childTnLst>
+                          </p:cTn>
+                        </p:par>
+                      </p:childTnLst>
+                    </p:cTn>
+                  </p:par>
+                  <p:par>
+                    <p:cTn id="13" fill="hold">
+                      <p:stCondLst>
+                        <p:cond delay="indefinite"/>
+                      </p:stCondLst>
+                      <p:childTnLst>
+                        <p:par>
+                          <p:cTn id="14" fill="hold">
+                            <p:stCondLst>
+                              <p:cond delay="0"/>
+                            </p:stCondLst>
+                            <p:childTnLst>
+                              <p:par>
+                                <p:cTn id="15" presetID="10" presetClass="entr" presetSubtype="0" fill="hold" grpId="0" nodeType="clickEffect">
+                                  <p:stCondLst>
+                                    <p:cond delay="0"/>
+                                  </p:stCondLst>
+                                  <p:childTnLst>
+                                    <p:set>
+                                      <p:cBhvr>
+                                        <p:cTn id="16" dur="1" fill="hold">
+                                          <p:stCondLst>
+                                            <p:cond delay="0"/>
+                                          </p:stCondLst>
+                                        </p:cTn>
+                                        <p:tgtEl>
+                                          <p:spTgt spid="5">
+                                            <p:txEl>
+                                              <p:pRg st="2" end="2"/>
+                                            </p:txEl>
+                                          </p:spTgt>
+                                        </p:tgtEl>
+                                        <p:attrNameLst>
+                                          <p:attrName>style.visibility</p:attrName>
+                                        </p:attrNameLst>
+                                      </p:cBhvr>
+                                      <p:to>
+                                        <p:strVal val="visible"/>
+                                      </p:to>
+                                    </p:set>
+                                    <p:animEffect transition="in" filter="fade">
+                                      <p:cBhvr>
+                                        <p:cTn id="17" dur="500"/>
+                                        <p:tgtEl>
+                                          <p:spTgt spid="5">
+                                            <p:txEl>
+                                              <p:pRg st="2" end="2"/>
+                                            </p:txEl>
+                                          </p:spTgt>
+                                        </p:tgtEl>
+                                      </p:cBhvr>
+                                    </p:animEffect>
+                                  </p:childTnLst>
+                                </p:cTn>
+                              </p:par>
+                              <p:par>
+                                <p:cTn id="18" presetID="10" presetClass="entr" presetSubtype="0" fill="hold" grpId="0" nodeType="withEffect">
+                                  <p:stCondLst>
+                                    <p:cond delay="0"/>
+                                  </p:stCondLst>
+                                  <p:childTnLst>
+                                    <p:set>
+                                      <p:cBhvr>
+                                        <p:cTn id="19" dur="1" fill="hold">
+                                          <p:stCondLst>
+                                            <p:cond delay="0"/>
+                                          </p:stCondLst>
+                                        </p:cTn>
+                                        <p:tgtEl>
+                                          <p:spTgt spid="5">
+                                            <p:txEl>
+                                              <p:pRg st="3" end="3"/>
+                                            </p:txEl>
+                                          </p:spTgt>
+                                        </p:tgtEl>
+                                        <p:attrNameLst>
+                                          <p:attrName>style.visibility</p:attrName>
+                                        </p:attrNameLst>
+                                      </p:cBhvr>
+                                      <p:to>
+                                        <p:strVal val="visible"/>
+                                      </p:to>
+                                    </p:set>
+                                    <p:animEffect transition="in" filter="fade">
+                                      <p:cBhvr>
+                                        <p:cTn id="20" dur="500"/>
+                                        <p:tgtEl>
+                                          <p:spTgt spid="5">
+                                            <p:txEl>
+                                              <p:pRg st="3" end="3"/>
+                                            </p:txEl>
+                                          </p:spTgt>
+                                        </p:tgtEl>
+                                      </p:cBhvr>
+                                    </p:animEffect>
+                                  </p:childTnLst>
+                                </p:cTn>
+                              </p:par>
+                              <p:par>
+                                <p:cTn id="21" presetID="10" presetClass="entr" presetSubtype="0" fill="hold" grpId="0" nodeType="withEffect">
+                                  <p:stCondLst>
+                                    <p:cond delay="0"/>
+                                  </p:stCondLst>
+                                  <p:childTnLst>
+                                    <p:set>
+                                      <p:cBhvr>
+                                        <p:cTn id="22" dur="1" fill="hold">
+                                          <p:stCondLst>
+                                            <p:cond delay="0"/>
+                                          </p:stCondLst>
+                                        </p:cTn>
+                                        <p:tgtEl>
+                                          <p:spTgt spid="5">
+                                            <p:txEl>
+                                              <p:pRg st="4" end="4"/>
+                                            </p:txEl>
+                                          </p:spTgt>
+                                        </p:tgtEl>
+                                        <p:attrNameLst>
+                                          <p:attrName>style.visibility</p:attrName>
+                                        </p:attrNameLst>
+                                      </p:cBhvr>
+                                      <p:to>
+                                        <p:strVal val="visible"/>
+                                      </p:to>
+                                    </p:set>
+                                    <p:animEffect transition="in" filter="fade">
+                                      <p:cBhvr>
+                                        <p:cTn id="23" dur="500"/>
+                                        <p:tgtEl>
+                                          <p:spTgt spid="5">
+                                            <p:txEl>
+                                              <p:pRg st="4" end="4"/>
+                                            </p:txEl>
+                                          </p:spTgt>
+                                        </p:tgtEl>
+                                      </p:cBhvr>
+                                    </p:animEffect>
+                                  </p:childTnLst>
+                                </p:cTn>
+                              </p:par>
+                            </p:childTnLst>
+                          </p:cTn>
+                        </p:par>
+                      </p:childTnLst>
+                    </p:cTn>
+                  </p:par>
+                </p:childTnLst>
+              </p:cTn>
+              <p:prevCondLst>
+                <p:cond evt="onPrev" delay="0">
+                  <p:tgtEl>
+                    <p:sldTgt/>
+                  </p:tgtEl>
+                </p:cond>
+              </p:prevCondLst>
+              <p:nextCondLst>
+                <p:cond evt="onNext" delay="0">
+                  <p:tgtEl>
+                    <p:sldTgt/>
+                  </p:tgtEl>
+                </p:cond>
+              </p:nextCondLst>
+            </p:seq>
+          </p:childTnLst>
+        </p:cTn>
+      </p:par>
+    </p:tnLst>
+    <p:bldLst>
+      <p:bldP spid="5" grpId="0" build="p"/>
+    </p:bldLst>
+  </p:timing>
+</p:sld>
+</file>
+
+<file path=ppt/slides/slide5.xml><?xml version="1.0" encoding="utf-8"?>
+<p:sld xmlns:a="http://schemas.openxmlformats.org/drawingml/2006/main" xmlns:r="http://schemas.openxmlformats.org/officeDocument/2006/relationships" xmlns:p="http://schemas.openxmlformats.org/presentationml/2006/main">
+  <p:cSld>
+    <p:spTree>
+      <p:nvGrpSpPr>
+        <p:cNvPr id="1" name=""/>
+        <p:cNvGrpSpPr/>
+        <p:nvPr/>
+      </p:nvGrpSpPr>
+      <p:grpSpPr>
+        <a:xfrm>
+          <a:off x="0" y="0"/>
+          <a:ext cx="0" cy="0"/>
+          <a:chOff x="0" y="0"/>
+          <a:chExt cx="0" cy="0"/>
+        </a:xfrm>
+      </p:grpSpPr>
+      <p:sp>
+        <p:nvSpPr>
+          <p:cNvPr id="2" name="Title 1"/>
+          <p:cNvSpPr>
+            <a:spLocks noGrp="1"/>
+          </p:cNvSpPr>
+          <p:nvPr>
+            <p:ph type="title"/>
+          </p:nvPr>
+        </p:nvSpPr>
+        <p:spPr/>
+        <p:txBody>
+          <a:bodyPr/>
+          <a:lstStyle/>
+          <a:p>
+            <a:r>
+              <a:rPr lang="en-US" dirty="0" smtClean="0"/>
+              <a:t>Types of performance testing</a:t>
+            </a:r>
+            <a:endParaRPr lang="en-US" dirty="0"/>
+          </a:p>
+        </p:txBody>
+      </p:sp>
+      <p:sp>
+        <p:nvSpPr>
+          <p:cNvPr id="3" name="Content Placeholder 2"/>
+          <p:cNvSpPr>
+            <a:spLocks noGrp="1"/>
+          </p:cNvSpPr>
+          <p:nvPr>
+            <p:ph idx="1"/>
+          </p:nvPr>
+        </p:nvSpPr>
+        <p:spPr/>
+        <p:txBody>
+          <a:bodyPr/>
+          <a:lstStyle/>
+          <a:p>
+            <a:r>
+              <a:rPr lang="en-US" dirty="0" smtClean="0"/>
+              <a:t>Load testing</a:t>
+            </a:r>
+          </a:p>
+          <a:p>
+            <a:r>
+              <a:rPr lang="en-US" dirty="0" smtClean="0"/>
+              <a:t>Stress testing</a:t>
+            </a:r>
+          </a:p>
+          <a:p>
+            <a:r>
+              <a:rPr lang="en-US" dirty="0" smtClean="0"/>
+              <a:t>Soak testing</a:t>
+            </a:r>
+          </a:p>
+          <a:p>
+            <a:r>
+              <a:rPr lang="en-US" dirty="0" smtClean="0"/>
+              <a:t>Spike testing</a:t>
+            </a:r>
+            <a:endParaRPr lang="en-US" dirty="0"/>
+          </a:p>
+        </p:txBody>
+      </p:sp>
+    </p:spTree>
+    <p:extLst>
+      <p:ext uri="{BB962C8B-B14F-4D97-AF65-F5344CB8AC3E}">
+        <p14:creationId xmlns:p14="http://schemas.microsoft.com/office/powerpoint/2010/main" val="3420075819"/>
+      </p:ext>
+    </p:extLst>
+  </p:cSld>
+  <p:clrMapOvr>
+    <a:masterClrMapping/>
+  </p:clrMapOvr>
+  <mc:AlternateContent xmlns:mc="http://schemas.openxmlformats.org/markup-compatibility/2006" xmlns:p14="http://schemas.microsoft.com/office/powerpoint/2010/main">
+    <mc:Choice Requires="p14">
+      <p:transition spd="slow" p14:dur="1200">
+        <p14:prism/>
+      </p:transition>
+    </mc:Choice>
+    <mc:Fallback xmlns="">
+      <p:transition xmlns:p14="http://schemas.microsoft.com/office/powerpoint/2010/main" spd="slow">
+        <p:fade/>
+      </p:transition>
+    </mc:Fallback>
+  </mc:AlternateContent>
+  <p:timing>
+    <p:tnLst>
+      <p:par>
+        <p:cTn xmlns:p14="http://schemas.microsoft.com/office/powerpoint/2010/main" id="1" dur="indefinite" restart="never" nodeType="tmRoot"/>
+      </p:par>
+    </p:tnLst>
+  </p:timing>
+</p:sld>
+</file>
+
+<file path=ppt/slides/slide6.xml><?xml version="1.0" encoding="utf-8"?>
+<p:sld xmlns:a="http://schemas.openxmlformats.org/drawingml/2006/main" xmlns:r="http://schemas.openxmlformats.org/officeDocument/2006/relationships" xmlns:p="http://schemas.openxmlformats.org/presentationml/2006/main">
+  <p:cSld>
+    <p:spTree>
+      <p:nvGrpSpPr>
+        <p:cNvPr id="1" name=""/>
+        <p:cNvGrpSpPr/>
+        <p:nvPr/>
+      </p:nvGrpSpPr>
+      <p:grpSpPr>
+        <a:xfrm>
+          <a:off x="0" y="0"/>
+          <a:ext cx="0" cy="0"/>
+          <a:chOff x="0" y="0"/>
+          <a:chExt cx="0" cy="0"/>
+        </a:xfrm>
+      </p:grpSpPr>
+      <p:sp>
+        <p:nvSpPr>
+          <p:cNvPr id="2" name="Title 1"/>
+          <p:cNvSpPr>
+            <a:spLocks noGrp="1"/>
+          </p:cNvSpPr>
+          <p:nvPr>
+            <p:ph type="title"/>
+          </p:nvPr>
+        </p:nvSpPr>
+        <p:spPr/>
+        <p:txBody>
+          <a:bodyPr/>
+          <a:lstStyle/>
+          <a:p>
+            <a:r>
+              <a:rPr lang="en-US" dirty="0" smtClean="0"/>
+              <a:t>Preparing test scenarios</a:t>
+            </a:r>
+            <a:endParaRPr lang="en-US" dirty="0"/>
+          </a:p>
+        </p:txBody>
+      </p:sp>
+      <p:sp>
+        <p:nvSpPr>
+          <p:cNvPr id="3" name="Content Placeholder 2"/>
+          <p:cNvSpPr>
+            <a:spLocks noGrp="1"/>
+          </p:cNvSpPr>
+          <p:nvPr>
+            <p:ph idx="1"/>
+          </p:nvPr>
+        </p:nvSpPr>
+        <p:spPr/>
+        <p:txBody>
+          <a:bodyPr/>
+          <a:lstStyle/>
+          <a:p>
+            <a:r>
+              <a:rPr lang="en-US" dirty="0" smtClean="0"/>
+              <a:t>Real life scenarios</a:t>
+            </a:r>
+          </a:p>
+          <a:p>
+            <a:r>
+              <a:rPr lang="en-US" dirty="0" smtClean="0"/>
+              <a:t>Not a black box testing</a:t>
+            </a:r>
+          </a:p>
+          <a:p>
+            <a:r>
+              <a:rPr lang="en-US" dirty="0" smtClean="0"/>
+              <a:t>Remember to monitor test host and tested environment</a:t>
+            </a:r>
+            <a:endParaRPr lang="en-US" dirty="0"/>
+          </a:p>
+        </p:txBody>
+      </p:sp>
+    </p:spTree>
+    <p:extLst>
+      <p:ext uri="{BB962C8B-B14F-4D97-AF65-F5344CB8AC3E}">
+        <p14:creationId xmlns:p14="http://schemas.microsoft.com/office/powerpoint/2010/main" val="1420216237"/>
+      </p:ext>
+    </p:extLst>
+  </p:cSld>
+  <p:clrMapOvr>
+    <a:masterClrMapping/>
+  </p:clrMapOvr>
+  <mc:AlternateContent xmlns:mc="http://schemas.openxmlformats.org/markup-compatibility/2006" xmlns:p14="http://schemas.microsoft.com/office/powerpoint/2010/main">
+    <mc:Choice Requires="p14">
+      <p:transition spd="slow" p14:dur="1200">
+        <p14:prism/>
+      </p:transition>
+    </mc:Choice>
+    <mc:Fallback xmlns="">
+      <p:transition xmlns:p14="http://schemas.microsoft.com/office/powerpoint/2010/main" spd="slow">
+        <p:fade/>
+      </p:transition>
+    </mc:Fallback>
+  </mc:AlternateContent>
+  <p:timing>
+    <p:tnLst>
+      <p:par>
+        <p:cTn xmlns:p14="http://schemas.microsoft.com/office/powerpoint/2010/main" id="1" dur="indefinite" restart="never" nodeType="tmRoot">
+          <p:childTnLst>
+            <p:seq concurrent="1" nextAc="seek">
+              <p:cTn id="2" dur="indefinite" nodeType="mainSeq">
+                <p:childTnLst>
+                  <p:par>
+                    <p:cTn id="3" fill="hold">
+                      <p:stCondLst>
+                        <p:cond delay="indefinite"/>
+                      </p:stCondLst>
+                      <p:childTnLst>
+                        <p:par>
+                          <p:cTn id="4" fill="hold">
+                            <p:stCondLst>
+                              <p:cond delay="0"/>
+                            </p:stCondLst>
+                            <p:childTnLst>
+                              <p:par>
+                                <p:cTn id="5" presetID="10" presetClass="entr" presetSubtype="0" fill="hold" grpId="0" nodeType="clickEffect">
+                                  <p:stCondLst>
+                                    <p:cond delay="0"/>
+                                  </p:stCondLst>
+                                  <p:childTnLst>
+                                    <p:set>
+                                      <p:cBhvr>
+                                        <p:cTn id="6" dur="1" fill="hold">
+                                          <p:stCondLst>
+                                            <p:cond delay="0"/>
+                                          </p:stCondLst>
+                                        </p:cTn>
+                                        <p:tgtEl>
+                                          <p:spTgt spid="3">
+                                            <p:txEl>
+                                              <p:pRg st="0" end="0"/>
+                                            </p:txEl>
+                                          </p:spTgt>
+                                        </p:tgtEl>
+                                        <p:attrNameLst>
+                                          <p:attrName>style.visibility</p:attrName>
+                                        </p:attrNameLst>
+                                      </p:cBhvr>
+                                      <p:to>
+                                        <p:strVal val="visible"/>
+                                      </p:to>
+                                    </p:set>
+                                    <p:animEffect transition="in" filter="fade">
+                                      <p:cBhvr>
+                                        <p:cTn id="7" dur="500"/>
+                                        <p:tgtEl>
+                                          <p:spTgt spid="3">
+                                            <p:txEl>
+                                              <p:pRg st="0" end="0"/>
+                                            </p:txEl>
+                                          </p:spTgt>
+                                        </p:tgtEl>
+                                      </p:cBhvr>
+                                    </p:animEffect>
+                                  </p:childTnLst>
+                                </p:cTn>
+                              </p:par>
+                            </p:childTnLst>
+                          </p:cTn>
+                        </p:par>
+                      </p:childTnLst>
+                    </p:cTn>
+                  </p:par>
+                  <p:par>
+                    <p:cTn id="8" fill="hold">
+                      <p:stCondLst>
+                        <p:cond delay="indefinite"/>
+                      </p:stCondLst>
+                      <p:childTnLst>
+                        <p:par>
+                          <p:cTn id="9" fill="hold">
+                            <p:stCondLst>
+                              <p:cond delay="0"/>
+                            </p:stCondLst>
+                            <p:childTnLst>
+                              <p:par>
+                                <p:cTn id="10" presetID="10" presetClass="entr" presetSubtype="0" fill="hold" grpId="0" nodeType="clickEffect">
+                                  <p:stCondLst>
+                                    <p:cond delay="0"/>
+                                  </p:stCondLst>
+                                  <p:childTnLst>
+                                    <p:set>
+                                      <p:cBhvr>
+                                        <p:cTn id="11" dur="1" fill="hold">
+                                          <p:stCondLst>
+                                            <p:cond delay="0"/>
+                                          </p:stCondLst>
+                                        </p:cTn>
+                                        <p:tgtEl>
+                                          <p:spTgt spid="3">
+                                            <p:txEl>
+                                              <p:pRg st="1" end="1"/>
+                                            </p:txEl>
+                                          </p:spTgt>
+                                        </p:tgtEl>
+                                        <p:attrNameLst>
+                                          <p:attrName>style.visibility</p:attrName>
+                                        </p:attrNameLst>
+                                      </p:cBhvr>
+                                      <p:to>
+                                        <p:strVal val="visible"/>
+                                      </p:to>
+                                    </p:set>
+                                    <p:animEffect transition="in" filter="fade">
+                                      <p:cBhvr>
+                                        <p:cTn id="12" dur="500"/>
+                                        <p:tgtEl>
+                                          <p:spTgt spid="3">
+                                            <p:txEl>
+                                              <p:pRg st="1" end="1"/>
+                                            </p:txEl>
+                                          </p:spTgt>
+                                        </p:tgtEl>
+                                      </p:cBhvr>
+                                    </p:animEffect>
+                                  </p:childTnLst>
+                                </p:cTn>
+                              </p:par>
+                            </p:childTnLst>
+                          </p:cTn>
+                        </p:par>
+                      </p:childTnLst>
+                    </p:cTn>
+                  </p:par>
+                  <p:par>
+                    <p:cTn id="13" fill="hold">
+                      <p:stCondLst>
+                        <p:cond delay="indefinite"/>
+                      </p:stCondLst>
+                      <p:childTnLst>
+                        <p:par>
+                          <p:cTn id="14" fill="hold">
+                            <p:stCondLst>
+                              <p:cond delay="0"/>
+                            </p:stCondLst>
+                            <p:childTnLst>
+                              <p:par>
+                                <p:cTn id="15" presetID="10" presetClass="entr" presetSubtype="0" fill="hold" grpId="0" nodeType="clickEffect">
+                                  <p:stCondLst>
+                                    <p:cond delay="0"/>
+                                  </p:stCondLst>
+                                  <p:childTnLst>
+                                    <p:set>
+                                      <p:cBhvr>
+                                        <p:cTn id="16" dur="1" fill="hold">
+                                          <p:stCondLst>
+                                            <p:cond delay="0"/>
+                                          </p:stCondLst>
+                                        </p:cTn>
+                                        <p:tgtEl>
+                                          <p:spTgt spid="3">
+                                            <p:txEl>
+                                              <p:pRg st="2" end="2"/>
+                                            </p:txEl>
+                                          </p:spTgt>
+                                        </p:tgtEl>
+                                        <p:attrNameLst>
+                                          <p:attrName>style.visibility</p:attrName>
+                                        </p:attrNameLst>
+                                      </p:cBhvr>
+                                      <p:to>
+                                        <p:strVal val="visible"/>
+                                      </p:to>
+                                    </p:set>
+                                    <p:animEffect transition="in" filter="fade">
+                                      <p:cBhvr>
+                                        <p:cTn id="17" dur="500"/>
+                                        <p:tgtEl>
+                                          <p:spTgt spid="3">
+                                            <p:txEl>
+                                              <p:pRg st="2" end="2"/>
+                                            </p:txEl>
+                                          </p:spTgt>
+                                        </p:tgtEl>
+                                      </p:cBhvr>
+                                    </p:animEffect>
+                                  </p:childTnLst>
+                                </p:cTn>
+                              </p:par>
+                            </p:childTnLst>
+                          </p:cTn>
+                        </p:par>
+                      </p:childTnLst>
+                    </p:cTn>
+                  </p:par>
+                </p:childTnLst>
+              </p:cTn>
+              <p:prevCondLst>
+                <p:cond evt="onPrev" delay="0">
+                  <p:tgtEl>
+                    <p:sldTgt/>
+                  </p:tgtEl>
+                </p:cond>
+              </p:prevCondLst>
+              <p:nextCondLst>
+                <p:cond evt="onNext" delay="0">
+                  <p:tgtEl>
+                    <p:sldTgt/>
+                  </p:tgtEl>
+                </p:cond>
+              </p:nextCondLst>
+            </p:seq>
+          </p:childTnLst>
+        </p:cTn>
+      </p:par>
+    </p:tnLst>
+    <p:bldLst>
+      <p:bldP spid="3" grpId="0" build="p"/>
+    </p:bldLst>
+  </p:timing>
+</p:sld>
+</file>
+
+<file path=ppt/slides/slide7.xml><?xml version="1.0" encoding="utf-8"?>
+<p:sld xmlns:a="http://schemas.openxmlformats.org/drawingml/2006/main" xmlns:r="http://schemas.openxmlformats.org/officeDocument/2006/relationships" xmlns:p="http://schemas.openxmlformats.org/presentationml/2006/main">
+  <p:cSld>
+    <p:spTree>
+      <p:nvGrpSpPr>
+        <p:cNvPr id="1" name=""/>
+        <p:cNvGrpSpPr/>
+        <p:nvPr/>
+      </p:nvGrpSpPr>
+      <p:grpSpPr>
+        <a:xfrm>
+          <a:off x="0" y="0"/>
+          <a:ext cx="0" cy="0"/>
+          <a:chOff x="0" y="0"/>
+          <a:chExt cx="0" cy="0"/>
+        </a:xfrm>
+      </p:grpSpPr>
+      <p:sp>
+        <p:nvSpPr>
+          <p:cNvPr id="4" name="Title 3"/>
+          <p:cNvSpPr>
+            <a:spLocks noGrp="1"/>
+          </p:cNvSpPr>
+          <p:nvPr>
+            <p:ph type="title"/>
+          </p:nvPr>
+        </p:nvSpPr>
+        <p:spPr/>
+        <p:txBody>
+          <a:bodyPr/>
+          <a:lstStyle/>
+          <a:p>
+            <a:r>
+              <a:rPr lang="en-US" dirty="0" smtClean="0"/>
+              <a:t>The tool</a:t>
+            </a:r>
+            <a:endParaRPr lang="en-US" dirty="0"/>
+          </a:p>
+        </p:txBody>
+      </p:sp>
+      <p:sp>
+        <p:nvSpPr>
+          <p:cNvPr id="5" name="Text Placeholder 4"/>
+          <p:cNvSpPr>
+            <a:spLocks noGrp="1"/>
+          </p:cNvSpPr>
+          <p:nvPr>
+            <p:ph type="body" idx="1"/>
+          </p:nvPr>
+        </p:nvSpPr>
+        <p:spPr/>
+        <p:txBody>
+          <a:bodyPr/>
+          <a:lstStyle/>
+          <a:p>
+            <a:endParaRPr lang="en-US"/>
+          </a:p>
+        </p:txBody>
+      </p:sp>
+    </p:spTree>
+    <p:extLst>
+      <p:ext uri="{BB962C8B-B14F-4D97-AF65-F5344CB8AC3E}">
+        <p14:creationId xmlns:p14="http://schemas.microsoft.com/office/powerpoint/2010/main" val="594348002"/>
+      </p:ext>
+    </p:extLst>
+  </p:cSld>
+  <p:clrMapOvr>
+    <a:masterClrMapping/>
+  </p:clrMapOvr>
+  <mc:AlternateContent xmlns:mc="http://schemas.openxmlformats.org/markup-compatibility/2006" xmlns:p14="http://schemas.microsoft.com/office/powerpoint/2010/main">
+    <mc:Choice Requires="p14">
+      <p:transition spd="slow" p14:dur="1200">
+        <p14:prism/>
+      </p:transition>
+    </mc:Choice>
+    <mc:Fallback xmlns="">
+      <p:transition xmlns:p14="http://schemas.microsoft.com/office/powerpoint/2010/main" spd="slow">
+        <p:fade/>
+      </p:transition>
+    </mc:Fallback>
+  </mc:AlternateContent>
+  <p:timing>
+    <p:tnLst>
+      <p:par>
+        <p:cTn xmlns:p14="http://schemas.microsoft.com/office/powerpoint/2010/main" id="1" dur="indefinite" restart="never" nodeType="tmRoot"/>
+      </p:par>
+    </p:tnLst>
+  </p:timing>
+</p:sld>
+</file>
+
+<file path=ppt/slides/slide8.xml><?xml version="1.0" encoding="utf-8"?>
+<p:sld xmlns:a="http://schemas.openxmlformats.org/drawingml/2006/main" xmlns:r="http://schemas.openxmlformats.org/officeDocument/2006/relationships" xmlns:p="http://schemas.openxmlformats.org/presentationml/2006/main">
+  <p:cSld>
+    <p:spTree>
+      <p:nvGrpSpPr>
+        <p:cNvPr id="1" name=""/>
+        <p:cNvGrpSpPr/>
+        <p:nvPr/>
+      </p:nvGrpSpPr>
+      <p:grpSpPr>
+        <a:xfrm>
+          <a:off x="0" y="0"/>
+          <a:ext cx="0" cy="0"/>
+          <a:chOff x="0" y="0"/>
+          <a:chExt cx="0" cy="0"/>
+        </a:xfrm>
+      </p:grpSpPr>
+      <p:sp>
+        <p:nvSpPr>
+          <p:cNvPr id="4" name="Title 3"/>
+          <p:cNvSpPr>
+            <a:spLocks noGrp="1"/>
+          </p:cNvSpPr>
+          <p:nvPr>
+            <p:ph type="title"/>
+          </p:nvPr>
+        </p:nvSpPr>
+        <p:spPr/>
+        <p:txBody>
+          <a:bodyPr/>
+          <a:lstStyle/>
+          <a:p>
+            <a:r>
+              <a:rPr lang="en-US" dirty="0" err="1" smtClean="0"/>
+              <a:t>JMeter</a:t>
+            </a:r>
+            <a:endParaRPr lang="en-US" dirty="0"/>
+          </a:p>
+        </p:txBody>
+      </p:sp>
+      <p:sp>
+        <p:nvSpPr>
+          <p:cNvPr id="5" name="Content Placeholder 4"/>
+          <p:cNvSpPr>
+            <a:spLocks noGrp="1"/>
+          </p:cNvSpPr>
+          <p:nvPr>
+            <p:ph idx="1"/>
+          </p:nvPr>
+        </p:nvSpPr>
+        <p:spPr/>
+        <p:txBody>
+          <a:bodyPr/>
+          <a:lstStyle/>
+          <a:p>
+            <a:r>
+              <a:rPr lang="en-US" dirty="0" smtClean="0"/>
+              <a:t>Looks like crap</a:t>
+            </a:r>
+          </a:p>
+          <a:p>
+            <a:r>
+              <a:rPr lang="en-US" dirty="0" smtClean="0"/>
+              <a:t>Written </a:t>
+            </a:r>
+            <a:r>
+              <a:rPr lang="en-US" dirty="0"/>
+              <a:t>in </a:t>
+            </a:r>
+            <a:r>
+              <a:rPr lang="en-US" dirty="0" smtClean="0"/>
+              <a:t>Java</a:t>
+            </a:r>
+          </a:p>
+          <a:p>
+            <a:r>
+              <a:rPr lang="en-US" dirty="0" smtClean="0"/>
+              <a:t>Most popular free tool of this kind</a:t>
+            </a:r>
+          </a:p>
+          <a:p>
+            <a:endParaRPr lang="en-US" dirty="0" smtClean="0"/>
+          </a:p>
+          <a:p>
+            <a:endParaRPr lang="en-US" dirty="0" smtClean="0"/>
+          </a:p>
+          <a:p>
+            <a:endParaRPr lang="en-US" dirty="0"/>
+          </a:p>
+        </p:txBody>
+      </p:sp>
+      <p:pic>
+        <p:nvPicPr>
+          <p:cNvPr id="6" name="Picture 5"/>
+          <p:cNvPicPr>
+            <a:picLocks noChangeAspect="1"/>
+          </p:cNvPicPr>
+          <p:nvPr/>
+        </p:nvPicPr>
+        <p:blipFill rotWithShape="1">
+          <a:blip r:embed="rId3"/>
+          <a:srcRect l="4790" t="-3491" r="2490" b="36832"/>
+          <a:stretch/>
+        </p:blipFill>
+        <p:spPr>
+          <a:xfrm>
+            <a:off x="725774" y="3151083"/>
+            <a:ext cx="6592450" cy="3554530"/>
+          </a:xfrm>
+          <a:prstGeom prst="rect">
+            <a:avLst/>
+          </a:prstGeom>
+        </p:spPr>
+      </p:pic>
+      <p:sp>
+        <p:nvSpPr>
+          <p:cNvPr id="8" name="Oval Callout 7"/>
+          <p:cNvSpPr/>
+          <p:nvPr/>
+        </p:nvSpPr>
+        <p:spPr>
+          <a:xfrm flipH="1">
+            <a:off x="725774" y="3326007"/>
+            <a:ext cx="2056361" cy="1285048"/>
+          </a:xfrm>
+          <a:prstGeom prst="wedgeEllipseCallout">
+            <a:avLst>
+              <a:gd name="adj1" fmla="val -89215"/>
+              <a:gd name="adj2" fmla="val 80147"/>
+            </a:avLst>
+          </a:prstGeom>
+          <a:solidFill>
+            <a:schemeClr val="bg1"/>
+          </a:solidFill>
+        </p:spPr>
+        <p:style>
+          <a:lnRef idx="1">
+            <a:schemeClr val="accent1"/>
+          </a:lnRef>
+          <a:fillRef idx="3">
+            <a:schemeClr val="accent1"/>
+          </a:fillRef>
+          <a:effectRef idx="2">
+            <a:schemeClr val="accent1"/>
+          </a:effectRef>
+          <a:fontRef idx="minor">
+            <a:schemeClr val="lt1"/>
+          </a:fontRef>
+        </p:style>
+        <p:txBody>
+          <a:bodyPr rtlCol="0" anchor="ctr"/>
+          <a:lstStyle/>
+          <a:p>
+            <a:pPr algn="ctr"/>
+            <a:r>
+              <a:rPr lang="en-US" sz="2400" dirty="0" err="1" smtClean="0">
+                <a:solidFill>
+                  <a:schemeClr val="tx1"/>
+                </a:solidFill>
+              </a:rPr>
+              <a:t>Clicka</a:t>
+            </a:r>
+            <a:r>
+              <a:rPr lang="en-US" sz="2400" dirty="0" smtClean="0">
+                <a:solidFill>
+                  <a:schemeClr val="tx1"/>
+                </a:solidFill>
+              </a:rPr>
+              <a:t>! </a:t>
+            </a:r>
+            <a:r>
+              <a:rPr lang="en-US" sz="2400" dirty="0" err="1" smtClean="0">
+                <a:solidFill>
+                  <a:schemeClr val="tx1"/>
+                </a:solidFill>
+              </a:rPr>
+              <a:t>Clicka</a:t>
+            </a:r>
+            <a:r>
+              <a:rPr lang="en-US" sz="2400" dirty="0" smtClean="0">
+                <a:solidFill>
+                  <a:schemeClr val="tx1"/>
+                </a:solidFill>
+              </a:rPr>
+              <a:t>!</a:t>
+            </a:r>
+            <a:endParaRPr lang="en-US" sz="2400" dirty="0">
+              <a:solidFill>
+                <a:schemeClr val="tx1"/>
+              </a:solidFill>
+            </a:endParaRPr>
+          </a:p>
+        </p:txBody>
+      </p:sp>
+    </p:spTree>
+    <p:extLst>
+      <p:ext uri="{BB962C8B-B14F-4D97-AF65-F5344CB8AC3E}">
+        <p14:creationId xmlns:p14="http://schemas.microsoft.com/office/powerpoint/2010/main" val="2073394396"/>
+      </p:ext>
+    </p:extLst>
+  </p:cSld>
+  <p:clrMapOvr>
+    <a:masterClrMapping/>
+  </p:clrMapOvr>
+  <mc:AlternateContent xmlns:mc="http://schemas.openxmlformats.org/markup-compatibility/2006" xmlns:p14="http://schemas.microsoft.com/office/powerpoint/2010/main">
+    <mc:Choice Requires="p14">
+      <p:transition spd="slow" p14:dur="1200">
+        <p14:prism/>
+      </p:transition>
+    </mc:Choice>
+    <mc:Fallback xmlns="">
+      <p:transition xmlns:p14="http://schemas.microsoft.com/office/powerpoint/2010/main" spd="slow">
+        <p:fade/>
+      </p:transition>
+    </mc:Fallback>
+  </mc:AlternateContent>
+  <p:timing>
+    <p:tnLst>
+      <p:par>
+        <p:cTn xmlns:p14="http://schemas.microsoft.com/office/powerpoint/2010/main" id="1" dur="indefinite" restart="never" nodeType="tmRoot">
+          <p:childTnLst>
+            <p:seq concurrent="1" nextAc="seek">
+              <p:cTn id="2" dur="indefinite" nodeType="mainSeq">
+                <p:childTnLst>
+                  <p:par>
+                    <p:cTn id="3" fill="hold">
+                      <p:stCondLst>
+                        <p:cond delay="indefinite"/>
+                      </p:stCondLst>
+                      <p:childTnLst>
+                        <p:par>
+                          <p:cTn id="4" fill="hold">
+                            <p:stCondLst>
+                              <p:cond delay="0"/>
+                            </p:stCondLst>
+                            <p:childTnLst>
+                              <p:par>
+                                <p:cTn id="5" presetID="10" presetClass="entr" presetSubtype="0" fill="hold" grpId="0" nodeType="clickEffect">
+                                  <p:stCondLst>
+                                    <p:cond delay="0"/>
+                                  </p:stCondLst>
+                                  <p:childTnLst>
+                                    <p:set>
+                                      <p:cBhvr>
+                                        <p:cTn id="6" dur="1" fill="hold">
+                                          <p:stCondLst>
+                                            <p:cond delay="0"/>
+                                          </p:stCondLst>
+                                        </p:cTn>
+                                        <p:tgtEl>
+                                          <p:spTgt spid="5">
+                                            <p:txEl>
+                                              <p:pRg st="0" end="0"/>
+                                            </p:txEl>
+                                          </p:spTgt>
+                                        </p:tgtEl>
+                                        <p:attrNameLst>
+                                          <p:attrName>style.visibility</p:attrName>
+                                        </p:attrNameLst>
+                                      </p:cBhvr>
+                                      <p:to>
+                                        <p:strVal val="visible"/>
+                                      </p:to>
+                                    </p:set>
+                                    <p:animEffect transition="in" filter="fade">
+                                      <p:cBhvr>
+                                        <p:cTn id="7" dur="500"/>
+                                        <p:tgtEl>
+                                          <p:spTgt spid="5">
+                                            <p:txEl>
+                                              <p:pRg st="0" end="0"/>
+                                            </p:txEl>
+                                          </p:spTgt>
+                                        </p:tgtEl>
+                                      </p:cBhvr>
+                                    </p:animEffect>
+                                  </p:childTnLst>
+                                </p:cTn>
+                              </p:par>
+                            </p:childTnLst>
+                          </p:cTn>
+                        </p:par>
+                      </p:childTnLst>
+                    </p:cTn>
+                  </p:par>
+                  <p:par>
+                    <p:cTn id="8" fill="hold">
+                      <p:stCondLst>
+                        <p:cond delay="indefinite"/>
+                      </p:stCondLst>
+                      <p:childTnLst>
+                        <p:par>
+                          <p:cTn id="9" fill="hold">
+                            <p:stCondLst>
+                              <p:cond delay="0"/>
+                            </p:stCondLst>
+                            <p:childTnLst>
+                              <p:par>
+                                <p:cTn id="10" presetID="10" presetClass="entr" presetSubtype="0" fill="hold" grpId="0" nodeType="clickEffect">
+                                  <p:stCondLst>
+                                    <p:cond delay="0"/>
+                                  </p:stCondLst>
+                                  <p:childTnLst>
+                                    <p:set>
+                                      <p:cBhvr>
+                                        <p:cTn id="11" dur="1" fill="hold">
+                                          <p:stCondLst>
+                                            <p:cond delay="0"/>
+                                          </p:stCondLst>
+                                        </p:cTn>
+                                        <p:tgtEl>
+                                          <p:spTgt spid="5">
+                                            <p:txEl>
+                                              <p:pRg st="1" end="1"/>
+                                            </p:txEl>
+                                          </p:spTgt>
+                                        </p:tgtEl>
+                                        <p:attrNameLst>
+                                          <p:attrName>style.visibility</p:attrName>
+                                        </p:attrNameLst>
+                                      </p:cBhvr>
+                                      <p:to>
+                                        <p:strVal val="visible"/>
+                                      </p:to>
+                                    </p:set>
+                                    <p:animEffect transition="in" filter="fade">
+                                      <p:cBhvr>
+                                        <p:cTn id="12" dur="500"/>
+                                        <p:tgtEl>
+                                          <p:spTgt spid="5">
+                                            <p:txEl>
+                                              <p:pRg st="1" end="1"/>
+                                            </p:txEl>
+                                          </p:spTgt>
+                                        </p:tgtEl>
+                                      </p:cBhvr>
+                                    </p:animEffect>
+                                  </p:childTnLst>
+                                </p:cTn>
+                              </p:par>
+                            </p:childTnLst>
+                          </p:cTn>
+                        </p:par>
+                      </p:childTnLst>
+                    </p:cTn>
+                  </p:par>
+                  <p:par>
+                    <p:cTn id="13" fill="hold">
+                      <p:stCondLst>
+                        <p:cond delay="indefinite"/>
+                      </p:stCondLst>
+                      <p:childTnLst>
+                        <p:par>
+                          <p:cTn id="14" fill="hold">
+                            <p:stCondLst>
+                              <p:cond delay="0"/>
+                            </p:stCondLst>
+                            <p:childTnLst>
+                              <p:par>
+                                <p:cTn id="15" presetID="10" presetClass="entr" presetSubtype="0" fill="hold" grpId="0" nodeType="clickEffect">
+                                  <p:stCondLst>
+                                    <p:cond delay="0"/>
+                                  </p:stCondLst>
+                                  <p:childTnLst>
+                                    <p:set>
+                                      <p:cBhvr>
+                                        <p:cTn id="16" dur="1" fill="hold">
+                                          <p:stCondLst>
+                                            <p:cond delay="0"/>
+                                          </p:stCondLst>
+                                        </p:cTn>
+                                        <p:tgtEl>
+                                          <p:spTgt spid="5">
+                                            <p:txEl>
+                                              <p:pRg st="2" end="2"/>
+                                            </p:txEl>
+                                          </p:spTgt>
+                                        </p:tgtEl>
+                                        <p:attrNameLst>
+                                          <p:attrName>style.visibility</p:attrName>
+                                        </p:attrNameLst>
+                                      </p:cBhvr>
+                                      <p:to>
+                                        <p:strVal val="visible"/>
+                                      </p:to>
+                                    </p:set>
+                                    <p:animEffect transition="in" filter="fade">
+                                      <p:cBhvr>
+                                        <p:cTn id="17" dur="500"/>
+                                        <p:tgtEl>
+                                          <p:spTgt spid="5">
+                                            <p:txEl>
+                                              <p:pRg st="2" end="2"/>
+                                            </p:txEl>
+                                          </p:spTgt>
+                                        </p:tgtEl>
+                                      </p:cBhvr>
+                                    </p:animEffect>
+                                  </p:childTnLst>
+                                </p:cTn>
+                              </p:par>
+                            </p:childTnLst>
+                          </p:cTn>
+                        </p:par>
+                      </p:childTnLst>
+                    </p:cTn>
+                  </p:par>
+                  <p:par>
+                    <p:cTn id="18" fill="hold">
+                      <p:stCondLst>
+                        <p:cond delay="indefinite"/>
+                      </p:stCondLst>
+                      <p:childTnLst>
+                        <p:par>
+                          <p:cTn id="19" fill="hold">
+                            <p:stCondLst>
+                              <p:cond delay="0"/>
+                            </p:stCondLst>
+                            <p:childTnLst>
+                              <p:par>
+                                <p:cTn id="20" presetID="10" presetClass="entr" presetSubtype="0" fill="hold" nodeType="clickEffect">
+                                  <p:stCondLst>
+                                    <p:cond delay="0"/>
+                                  </p:stCondLst>
+                                  <p:childTnLst>
+                                    <p:set>
+                                      <p:cBhvr>
+                                        <p:cTn id="21" dur="1" fill="hold">
+                                          <p:stCondLst>
+                                            <p:cond delay="0"/>
+                                          </p:stCondLst>
+                                        </p:cTn>
+                                        <p:tgtEl>
+                                          <p:spTgt spid="6"/>
+                                        </p:tgtEl>
+                                        <p:attrNameLst>
+                                          <p:attrName>style.visibility</p:attrName>
+                                        </p:attrNameLst>
+                                      </p:cBhvr>
+                                      <p:to>
+                                        <p:strVal val="visible"/>
+                                      </p:to>
+                                    </p:set>
+                                    <p:animEffect transition="in" filter="fade">
+                                      <p:cBhvr>
+                                        <p:cTn id="22" dur="500"/>
+                                        <p:tgtEl>
+                                          <p:spTgt spid="6"/>
+                                        </p:tgtEl>
+                                      </p:cBhvr>
+                                    </p:animEffect>
+                                  </p:childTnLst>
+                                </p:cTn>
+                              </p:par>
+                            </p:childTnLst>
+                          </p:cTn>
+                        </p:par>
+                      </p:childTnLst>
+                    </p:cTn>
+                  </p:par>
+                  <p:par>
+                    <p:cTn id="23" fill="hold">
+                      <p:stCondLst>
+                        <p:cond delay="indefinite"/>
+                      </p:stCondLst>
+                      <p:childTnLst>
+                        <p:par>
+                          <p:cTn id="24" fill="hold">
+                            <p:stCondLst>
+                              <p:cond delay="0"/>
+                            </p:stCondLst>
+                            <p:childTnLst>
+                              <p:par>
+                                <p:cTn id="25" presetID="10" presetClass="entr" presetSubtype="0" fill="hold" grpId="0" nodeType="clickEffect">
+                                  <p:stCondLst>
+                                    <p:cond delay="0"/>
+                                  </p:stCondLst>
+                                  <p:childTnLst>
+                                    <p:set>
+                                      <p:cBhvr>
+                                        <p:cTn id="26" dur="1" fill="hold">
+                                          <p:stCondLst>
+                                            <p:cond delay="0"/>
+                                          </p:stCondLst>
+                                        </p:cTn>
+                                        <p:tgtEl>
+                                          <p:spTgt spid="8"/>
+                                        </p:tgtEl>
+                                        <p:attrNameLst>
+                                          <p:attrName>style.visibility</p:attrName>
+                                        </p:attrNameLst>
+                                      </p:cBhvr>
+                                      <p:to>
+                                        <p:strVal val="visible"/>
+                                      </p:to>
+                                    </p:set>
+                                    <p:animEffect transition="in" filter="fade">
+                                      <p:cBhvr>
+                                        <p:cTn id="27" dur="500"/>
+                                        <p:tgtEl>
+                                          <p:spTgt spid="8"/>
+                                        </p:tgtEl>
+                                      </p:cBhvr>
+                                    </p:animEffect>
+                                  </p:childTnLst>
+                                </p:cTn>
+                              </p:par>
+                            </p:childTnLst>
+                          </p:cTn>
+                        </p:par>
+                      </p:childTnLst>
+                    </p:cTn>
+                  </p:par>
+                </p:childTnLst>
+              </p:cTn>
+              <p:prevCondLst>
+                <p:cond evt="onPrev" delay="0">
+                  <p:tgtEl>
+                    <p:sldTgt/>
+                  </p:tgtEl>
+                </p:cond>
+              </p:prevCondLst>
+              <p:nextCondLst>
+                <p:cond evt="onNext" delay="0">
+                  <p:tgtEl>
+                    <p:sldTgt/>
+                  </p:tgtEl>
+                </p:cond>
+              </p:nextCondLst>
+            </p:seq>
+          </p:childTnLst>
+        </p:cTn>
+      </p:par>
+    </p:tnLst>
+    <p:bldLst>
+      <p:bldP spid="5" grpId="0" build="p"/>
+      <p:bldP spid="8" grpId="0" animBg="1"/>
+    </p:bldLst>
+  </p:timing>
+</p:sld>
+</file>
+
+<file path=ppt/slides/slide9.xml><?xml version="1.0" encoding="utf-8"?>
+<p:sld xmlns:a="http://schemas.openxmlformats.org/drawingml/2006/main" xmlns:r="http://schemas.openxmlformats.org/officeDocument/2006/relationships" xmlns:p="http://schemas.openxmlformats.org/presentationml/2006/main">
+  <p:cSld>
+    <p:spTree>
+      <p:nvGrpSpPr>
+        <p:cNvPr id="1" name=""/>
+        <p:cNvGrpSpPr/>
+        <p:nvPr/>
+      </p:nvGrpSpPr>
+      <p:grpSpPr>
+        <a:xfrm>
+          <a:off x="0" y="0"/>
+          <a:ext cx="0" cy="0"/>
+          <a:chOff x="0" y="0"/>
+          <a:chExt cx="0" cy="0"/>
+        </a:xfrm>
+      </p:grpSpPr>
+      <p:sp>
+        <p:nvSpPr>
+          <p:cNvPr id="2" name="Title 1"/>
+          <p:cNvSpPr>
+            <a:spLocks noGrp="1"/>
+          </p:cNvSpPr>
+          <p:nvPr>
+            <p:ph type="title"/>
+          </p:nvPr>
+        </p:nvSpPr>
+        <p:spPr/>
+        <p:txBody>
+          <a:bodyPr/>
+          <a:lstStyle/>
+          <a:p>
+            <a:r>
+              <a:rPr lang="en-US" dirty="0" smtClean="0"/>
+              <a:t>Test elements</a:t>
+            </a:r>
+            <a:endParaRPr lang="en-US" dirty="0"/>
+          </a:p>
+        </p:txBody>
+      </p:sp>
+      <p:sp>
+        <p:nvSpPr>
+          <p:cNvPr id="3" name="Content Placeholder 2"/>
+          <p:cNvSpPr>
+            <a:spLocks noGrp="1"/>
+          </p:cNvSpPr>
+          <p:nvPr>
+            <p:ph idx="1"/>
+          </p:nvPr>
+        </p:nvSpPr>
+        <p:spPr/>
+        <p:txBody>
+          <a:bodyPr>
+            <a:normAutofit lnSpcReduction="10000"/>
+          </a:bodyPr>
+          <a:lstStyle/>
+          <a:p>
+            <a:r>
+              <a:rPr lang="en-US" dirty="0"/>
+              <a:t>Thread Group</a:t>
+            </a:r>
+          </a:p>
+          <a:p>
+            <a:r>
+              <a:rPr lang="en-US" dirty="0"/>
+              <a:t>Samplers</a:t>
+            </a:r>
+          </a:p>
+          <a:p>
+            <a:r>
+              <a:rPr lang="en-US" dirty="0" err="1"/>
+              <a:t>Config</a:t>
+            </a:r>
+            <a:r>
+              <a:rPr lang="en-US" dirty="0"/>
+              <a:t> Elements</a:t>
+            </a:r>
+          </a:p>
+          <a:p>
+            <a:r>
+              <a:rPr lang="en-US" dirty="0"/>
+              <a:t>Timers</a:t>
+            </a:r>
+          </a:p>
+          <a:p>
+            <a:r>
+              <a:rPr lang="en-US" dirty="0" smtClean="0"/>
+              <a:t>Listeners</a:t>
+            </a:r>
+          </a:p>
+          <a:p>
+            <a:r>
+              <a:rPr lang="en-US" dirty="0" smtClean="0"/>
+              <a:t>Logic </a:t>
+            </a:r>
+            <a:r>
+              <a:rPr lang="en-US" dirty="0" smtClean="0"/>
+              <a:t>Controllers</a:t>
+            </a:r>
+          </a:p>
+          <a:p>
+            <a:r>
+              <a:rPr lang="en-US" dirty="0" smtClean="0"/>
+              <a:t>Assertions</a:t>
+            </a:r>
+          </a:p>
+          <a:p>
+            <a:r>
+              <a:rPr lang="en-US" dirty="0" smtClean="0"/>
+              <a:t>Post-processors</a:t>
+            </a:r>
+            <a:endParaRPr lang="en-US" dirty="0"/>
+          </a:p>
+        </p:txBody>
+      </p:sp>
+    </p:spTree>
+    <p:extLst>
+      <p:ext uri="{BB962C8B-B14F-4D97-AF65-F5344CB8AC3E}">
+        <p14:creationId xmlns:p14="http://schemas.microsoft.com/office/powerpoint/2010/main" val="188030359"/>
+      </p:ext>
+    </p:extLst>
+  </p:cSld>
+  <p:clrMapOvr>
+    <a:masterClrMapping/>
+  </p:clrMapOvr>
+  <mc:AlternateContent xmlns:mc="http://schemas.openxmlformats.org/markup-compatibility/2006" xmlns:p14="http://schemas.microsoft.com/office/powerpoint/2010/main">
+    <mc:Choice Requires="p14">
+      <p:transition spd="slow" p14:dur="1200">
+        <p14:prism/>
+      </p:transition>
+    </mc:Choice>
+    <mc:Fallback xmlns="">
+      <p:transition xmlns:p14="http://schemas.microsoft.com/office/powerpoint/2010/main" spd="slow">
+        <p:fade/>
+      </p:transition>
+    </mc:Fallback>
+  </mc:AlternateContent>
+  <p:timing>
+    <p:tnLst>
+      <p:par>
+        <p:cTn xmlns:p14="http://schemas.microsoft.com/office/powerpoint/2010/main" id="1" dur="indefinite" restart="never" nodeType="tmRoot">
+          <p:childTnLst>
+            <p:seq concurrent="1" nextAc="seek">
+              <p:cTn id="2" dur="indefinite" nodeType="mainSeq">
+                <p:childTnLst>
+                  <p:par>
+                    <p:cTn id="3" fill="hold">
+                      <p:stCondLst>
+                        <p:cond delay="indefinite"/>
+                      </p:stCondLst>
+                      <p:childTnLst>
+                        <p:par>
+                          <p:cTn id="4" fill="hold">
+                            <p:stCondLst>
+                              <p:cond delay="0"/>
+                            </p:stCondLst>
+                            <p:childTnLst>
+                              <p:par>
+                                <p:cTn id="5" presetID="10" presetClass="entr" presetSubtype="0" fill="hold" grpId="0" nodeType="clickEffect">
+                                  <p:stCondLst>
+                                    <p:cond delay="0"/>
+                                  </p:stCondLst>
+                                  <p:childTnLst>
+                                    <p:set>
+                                      <p:cBhvr>
+                                        <p:cTn id="6" dur="1" fill="hold">
+                                          <p:stCondLst>
+                                            <p:cond delay="0"/>
+                                          </p:stCondLst>
+                                        </p:cTn>
+                                        <p:tgtEl>
+                                          <p:spTgt spid="3">
+                                            <p:txEl>
+                                              <p:pRg st="0" end="0"/>
+                                            </p:txEl>
+                                          </p:spTgt>
+                                        </p:tgtEl>
+                                        <p:attrNameLst>
+                                          <p:attrName>style.visibility</p:attrName>
+                                        </p:attrNameLst>
+                                      </p:cBhvr>
+                                      <p:to>
+                                        <p:strVal val="visible"/>
+                                      </p:to>
+                                    </p:set>
+                                    <p:animEffect transition="in" filter="fade">
+                                      <p:cBhvr>
+                                        <p:cTn id="7" dur="500"/>
+                                        <p:tgtEl>
+                                          <p:spTgt spid="3">
+                                            <p:txEl>
+                                              <p:pRg st="0" end="0"/>
+                                            </p:txEl>
+                                          </p:spTgt>
+                                        </p:tgtEl>
+                                      </p:cBhvr>
+                                    </p:animEffect>
+                                  </p:childTnLst>
+                                </p:cTn>
+                              </p:par>
+                            </p:childTnLst>
+                          </p:cTn>
+                        </p:par>
+                      </p:childTnLst>
+                    </p:cTn>
+                  </p:par>
+                  <p:par>
+                    <p:cTn id="8" fill="hold">
+                      <p:stCondLst>
+                        <p:cond delay="indefinite"/>
+                      </p:stCondLst>
+                      <p:childTnLst>
+                        <p:par>
+                          <p:cTn id="9" fill="hold">
+                            <p:stCondLst>
+                              <p:cond delay="0"/>
+                            </p:stCondLst>
+                            <p:childTnLst>
+                              <p:par>
+                                <p:cTn id="10" presetID="10" presetClass="entr" presetSubtype="0" fill="hold" grpId="0" nodeType="clickEffect">
+                                  <p:stCondLst>
+                                    <p:cond delay="0"/>
+                                  </p:stCondLst>
+                                  <p:childTnLst>
+                                    <p:set>
+                                      <p:cBhvr>
+                                        <p:cTn id="11" dur="1" fill="hold">
+                                          <p:stCondLst>
+                                            <p:cond delay="0"/>
+                                          </p:stCondLst>
+                                        </p:cTn>
+                                        <p:tgtEl>
+                                          <p:spTgt spid="3">
+                                            <p:txEl>
+                                              <p:pRg st="1" end="1"/>
+                                            </p:txEl>
+                                          </p:spTgt>
+                                        </p:tgtEl>
+                                        <p:attrNameLst>
+                                          <p:attrName>style.visibility</p:attrName>
+                                        </p:attrNameLst>
+                                      </p:cBhvr>
+                                      <p:to>
+                                        <p:strVal val="visible"/>
+                                      </p:to>
+                                    </p:set>
+                                    <p:animEffect transition="in" filter="fade">
+                                      <p:cBhvr>
+                                        <p:cTn id="12" dur="500"/>
+                                        <p:tgtEl>
+                                          <p:spTgt spid="3">
+                                            <p:txEl>
+                                              <p:pRg st="1" end="1"/>
+                                            </p:txEl>
+                                          </p:spTgt>
+                                        </p:tgtEl>
+                                      </p:cBhvr>
+                                    </p:animEffect>
+                                  </p:childTnLst>
+                                </p:cTn>
+                              </p:par>
+                            </p:childTnLst>
+                          </p:cTn>
+                        </p:par>
+                      </p:childTnLst>
+                    </p:cTn>
+                  </p:par>
+                  <p:par>
+                    <p:cTn id="13" fill="hold">
+                      <p:stCondLst>
+                        <p:cond delay="indefinite"/>
+                      </p:stCondLst>
+                      <p:childTnLst>
+                        <p:par>
+                          <p:cTn id="14" fill="hold">
+                            <p:stCondLst>
+                              <p:cond delay="0"/>
+                            </p:stCondLst>
+                            <p:childTnLst>
+                              <p:par>
+                                <p:cTn id="15" presetID="10" presetClass="entr" presetSubtype="0" fill="hold" grpId="0" nodeType="clickEffect">
+                                  <p:stCondLst>
+                                    <p:cond delay="0"/>
+                                  </p:stCondLst>
+                                  <p:childTnLst>
+                                    <p:set>
+                                      <p:cBhvr>
+                                        <p:cTn id="16" dur="1" fill="hold">
+                                          <p:stCondLst>
+                                            <p:cond delay="0"/>
+                                          </p:stCondLst>
+                                        </p:cTn>
+                                        <p:tgtEl>
+                                          <p:spTgt spid="3">
+                                            <p:txEl>
+                                              <p:pRg st="2" end="2"/>
+                                            </p:txEl>
+                                          </p:spTgt>
+                                        </p:tgtEl>
+                                        <p:attrNameLst>
+                                          <p:attrName>style.visibility</p:attrName>
+                                        </p:attrNameLst>
+                                      </p:cBhvr>
+                                      <p:to>
+                                        <p:strVal val="visible"/>
+                                      </p:to>
+                                    </p:set>
+                                    <p:animEffect transition="in" filter="fade">
+                                      <p:cBhvr>
+                                        <p:cTn id="17" dur="500"/>
+                                        <p:tgtEl>
+                                          <p:spTgt spid="3">
+                                            <p:txEl>
+                                              <p:pRg st="2" end="2"/>
+                                            </p:txEl>
+                                          </p:spTgt>
+                                        </p:tgtEl>
+                                      </p:cBhvr>
+                                    </p:animEffect>
+                                  </p:childTnLst>
+                                </p:cTn>
+                              </p:par>
+                            </p:childTnLst>
+                          </p:cTn>
+                        </p:par>
+                      </p:childTnLst>
+                    </p:cTn>
+                  </p:par>
+                  <p:par>
+                    <p:cTn id="18" fill="hold">
+                      <p:stCondLst>
+                        <p:cond delay="indefinite"/>
+                      </p:stCondLst>
+                      <p:childTnLst>
+                        <p:par>
+                          <p:cTn id="19" fill="hold">
+                            <p:stCondLst>
+                              <p:cond delay="0"/>
+                            </p:stCondLst>
+                            <p:childTnLst>
+                              <p:par>
+                                <p:cTn id="20" presetID="10" presetClass="entr" presetSubtype="0" fill="hold" grpId="0" nodeType="clickEffect">
+                                  <p:stCondLst>
+                                    <p:cond delay="0"/>
+                                  </p:stCondLst>
+                                  <p:childTnLst>
+                                    <p:set>
+                                      <p:cBhvr>
+                                        <p:cTn id="21" dur="1" fill="hold">
+                                          <p:stCondLst>
+                                            <p:cond delay="0"/>
+                                          </p:stCondLst>
+                                        </p:cTn>
+                                        <p:tgtEl>
+                                          <p:spTgt spid="3">
+                                            <p:txEl>
+                                              <p:pRg st="3" end="3"/>
+                                            </p:txEl>
+                                          </p:spTgt>
+                                        </p:tgtEl>
+                                        <p:attrNameLst>
+                                          <p:attrName>style.visibility</p:attrName>
+                                        </p:attrNameLst>
+                                      </p:cBhvr>
+                                      <p:to>
+                                        <p:strVal val="visible"/>
+                                      </p:to>
+                                    </p:set>
+                                    <p:animEffect transition="in" filter="fade">
+                                      <p:cBhvr>
+                                        <p:cTn id="22" dur="500"/>
+                                        <p:tgtEl>
+                                          <p:spTgt spid="3">
+                                            <p:txEl>
+                                              <p:pRg st="3" end="3"/>
+                                            </p:txEl>
+                                          </p:spTgt>
+                                        </p:tgtEl>
+                                      </p:cBhvr>
+                                    </p:animEffect>
+                                  </p:childTnLst>
+                                </p:cTn>
+                              </p:par>
+                            </p:childTnLst>
+                          </p:cTn>
+                        </p:par>
+                      </p:childTnLst>
+                    </p:cTn>
+                  </p:par>
+                  <p:par>
+                    <p:cTn id="23" fill="hold">
+                      <p:stCondLst>
+                        <p:cond delay="indefinite"/>
+                      </p:stCondLst>
+                      <p:childTnLst>
+                        <p:par>
+                          <p:cTn id="24" fill="hold">
+                            <p:stCondLst>
+                              <p:cond delay="0"/>
+                            </p:stCondLst>
+                            <p:childTnLst>
+                              <p:par>
+                                <p:cTn id="25" presetID="10" presetClass="entr" presetSubtype="0" fill="hold" grpId="0" nodeType="clickEffect">
+                                  <p:stCondLst>
+                                    <p:cond delay="0"/>
+                                  </p:stCondLst>
+                                  <p:childTnLst>
+                                    <p:set>
+                                      <p:cBhvr>
+                                        <p:cTn id="26" dur="1" fill="hold">
+                                          <p:stCondLst>
+                                            <p:cond delay="0"/>
+                                          </p:stCondLst>
+                                        </p:cTn>
+                                        <p:tgtEl>
+                                          <p:spTgt spid="3">
+                                            <p:txEl>
+                                              <p:pRg st="4" end="4"/>
+                                            </p:txEl>
+                                          </p:spTgt>
+                                        </p:tgtEl>
+                                        <p:attrNameLst>
+                                          <p:attrName>style.visibility</p:attrName>
+                                        </p:attrNameLst>
+                                      </p:cBhvr>
+                                      <p:to>
+                                        <p:strVal val="visible"/>
+                                      </p:to>
+                                    </p:set>
+                                    <p:animEffect transition="in" filter="fade">
+                                      <p:cBhvr>
+                                        <p:cTn id="27" dur="500"/>
+                                        <p:tgtEl>
+                                          <p:spTgt spid="3">
+                                            <p:txEl>
+                                              <p:pRg st="4" end="4"/>
+                                            </p:txEl>
+                                          </p:spTgt>
+                                        </p:tgtEl>
+                                      </p:cBhvr>
+                                    </p:animEffect>
+                                  </p:childTnLst>
+                                </p:cTn>
+                              </p:par>
+                            </p:childTnLst>
+                          </p:cTn>
+                        </p:par>
+                      </p:childTnLst>
+                    </p:cTn>
+                  </p:par>
+                  <p:par>
+                    <p:cTn id="28" fill="hold">
+                      <p:stCondLst>
+                        <p:cond delay="indefinite"/>
+                      </p:stCondLst>
+                      <p:childTnLst>
+                        <p:par>
+                          <p:cTn id="29" fill="hold">
+                            <p:stCondLst>
+                              <p:cond delay="0"/>
+                            </p:stCondLst>
+                            <p:childTnLst>
+                              <p:par>
+                                <p:cTn id="30" presetID="10" presetClass="entr" presetSubtype="0" fill="hold" grpId="0" nodeType="clickEffect">
+                                  <p:stCondLst>
+                                    <p:cond delay="0"/>
+                                  </p:stCondLst>
+                                  <p:childTnLst>
+                                    <p:set>
+                                      <p:cBhvr>
+                                        <p:cTn id="31" dur="1" fill="hold">
+                                          <p:stCondLst>
+                                            <p:cond delay="0"/>
+                                          </p:stCondLst>
+                                        </p:cTn>
+                                        <p:tgtEl>
+                                          <p:spTgt spid="3">
+                                            <p:txEl>
+                                              <p:pRg st="5" end="5"/>
+                                            </p:txEl>
+                                          </p:spTgt>
+                                        </p:tgtEl>
+                                        <p:attrNameLst>
+                                          <p:attrName>style.visibility</p:attrName>
+                                        </p:attrNameLst>
+                                      </p:cBhvr>
+                                      <p:to>
+                                        <p:strVal val="visible"/>
+                                      </p:to>
+                                    </p:set>
+                                    <p:animEffect transition="in" filter="fade">
+                                      <p:cBhvr>
+                                        <p:cTn id="32" dur="500"/>
+                                        <p:tgtEl>
+                                          <p:spTgt spid="3">
+                                            <p:txEl>
+                                              <p:pRg st="5" end="5"/>
+                                            </p:txEl>
+                                          </p:spTgt>
+                                        </p:tgtEl>
+                                      </p:cBhvr>
+                                    </p:animEffect>
+                                  </p:childTnLst>
+                                </p:cTn>
+                              </p:par>
+                            </p:childTnLst>
+                          </p:cTn>
+                        </p:par>
+                      </p:childTnLst>
+                    </p:cTn>
+                  </p:par>
+                  <p:par>
+                    <p:cTn id="33" fill="hold">
+                      <p:stCondLst>
+                        <p:cond delay="indefinite"/>
+                      </p:stCondLst>
+                      <p:childTnLst>
+                        <p:par>
+                          <p:cTn id="34" fill="hold">
+                            <p:stCondLst>
+                              <p:cond delay="0"/>
+                            </p:stCondLst>
+                            <p:childTnLst>
+                              <p:par>
+                                <p:cTn id="35" presetID="10" presetClass="entr" presetSubtype="0" fill="hold" grpId="0" nodeType="clickEffect">
+                                  <p:stCondLst>
+                                    <p:cond delay="0"/>
+                                  </p:stCondLst>
+                                  <p:childTnLst>
+                                    <p:set>
+                                      <p:cBhvr>
+                                        <p:cTn id="36" dur="1" fill="hold">
+                                          <p:stCondLst>
+                                            <p:cond delay="0"/>
+                                          </p:stCondLst>
+                                        </p:cTn>
+                                        <p:tgtEl>
+                                          <p:spTgt spid="3">
+                                            <p:txEl>
+                                              <p:pRg st="6" end="6"/>
+                                            </p:txEl>
+                                          </p:spTgt>
+                                        </p:tgtEl>
+                                        <p:attrNameLst>
+                                          <p:attrName>style.visibility</p:attrName>
+                                        </p:attrNameLst>
+                                      </p:cBhvr>
+                                      <p:to>
+                                        <p:strVal val="visible"/>
+                                      </p:to>
+                                    </p:set>
+                                    <p:animEffect transition="in" filter="fade">
+                                      <p:cBhvr>
+                                        <p:cTn id="37" dur="500"/>
+                                        <p:tgtEl>
+                                          <p:spTgt spid="3">
+                                            <p:txEl>
+                                              <p:pRg st="6" end="6"/>
+                                            </p:txEl>
+                                          </p:spTgt>
+                                        </p:tgtEl>
+                                      </p:cBhvr>
+                                    </p:animEffect>
+                                  </p:childTnLst>
+                                </p:cTn>
+                              </p:par>
+                            </p:childTnLst>
+                          </p:cTn>
+                        </p:par>
+                      </p:childTnLst>
+                    </p:cTn>
+                  </p:par>
+                  <p:par>
+                    <p:cTn id="38" fill="hold">
+                      <p:stCondLst>
+                        <p:cond delay="indefinite"/>
+                      </p:stCondLst>
+                      <p:childTnLst>
+                        <p:par>
+                          <p:cTn id="39" fill="hold">
+                            <p:stCondLst>
+                              <p:cond delay="0"/>
+                            </p:stCondLst>
+                            <p:childTnLst>
+                              <p:par>
+                                <p:cTn id="40" presetID="10" presetClass="entr" presetSubtype="0" fill="hold" grpId="0" nodeType="clickEffect">
+                                  <p:stCondLst>
+                                    <p:cond delay="0"/>
+                                  </p:stCondLst>
+                                  <p:childTnLst>
+                                    <p:set>
+                                      <p:cBhvr>
+                                        <p:cTn id="41" dur="1" fill="hold">
+                                          <p:stCondLst>
+                                            <p:cond delay="0"/>
+                                          </p:stCondLst>
+                                        </p:cTn>
+                                        <p:tgtEl>
+                                          <p:spTgt spid="3">
+                                            <p:txEl>
+                                              <p:pRg st="7" end="7"/>
+                                            </p:txEl>
+                                          </p:spTgt>
+                                        </p:tgtEl>
+                                        <p:attrNameLst>
+                                          <p:attrName>style.visibility</p:attrName>
+                                        </p:attrNameLst>
+                                      </p:cBhvr>
+                                      <p:to>
+                                        <p:strVal val="visible"/>
+                                      </p:to>
+                                    </p:set>
+                                    <p:animEffect transition="in" filter="fade">
+                                      <p:cBhvr>
+                                        <p:cTn id="42" dur="500"/>
+                                        <p:tgtEl>
+                                          <p:spTgt spid="3">
+                                            <p:txEl>
+                                              <p:pRg st="7" end="7"/>
+                                            </p:txEl>
+                                          </p:spTgt>
+                                        </p:tgtEl>
+                                      </p:cBhvr>
+                                    </p:animEffect>
+                                  </p:childTnLst>
+                                </p:cTn>
+                              </p:par>
+                            </p:childTnLst>
+                          </p:cTn>
+                        </p:par>
+                      </p:childTnLst>
+                    </p:cTn>
+                  </p:par>
+                </p:childTnLst>
+              </p:cTn>
+              <p:prevCondLst>
+                <p:cond evt="onPrev" delay="0">
+                  <p:tgtEl>
+                    <p:sldTgt/>
+                  </p:tgtEl>
+                </p:cond>
+              </p:prevCondLst>
+              <p:nextCondLst>
+                <p:cond evt="onNext" delay="0">
+                  <p:tgtEl>
+                    <p:sldTgt/>
+                  </p:tgtEl>
+                </p:cond>
+              </p:nextCondLst>
+            </p:seq>
+          </p:childTnLst>
+        </p:cTn>
+      </p:par>
+    </p:tnLst>
+    <p:bldLst>
+      <p:bldP spid="3" grpId="0" build="p"/>
+    </p:bldLst>
+  </p:timing>
 </p:sld>
 </file>
 
